--- a/Caixa ER.pptx
+++ b/Caixa ER.pptx
@@ -5,16 +5,16 @@
     <p:sldMasterId id="2147483648" r:id="rId1"/>
   </p:sldMasterIdLst>
   <p:sldIdLst>
-    <p:sldId id="256" r:id="rId3"/>
-    <p:sldId id="259" r:id="rId4"/>
-    <p:sldId id="267" r:id="rId5"/>
-    <p:sldId id="258" r:id="rId6"/>
-    <p:sldId id="257" r:id="rId7"/>
-    <p:sldId id="260" r:id="rId8"/>
-    <p:sldId id="261" r:id="rId9"/>
-    <p:sldId id="262" r:id="rId10"/>
-    <p:sldId id="266" r:id="rId11"/>
-    <p:sldId id="265" r:id="rId12"/>
+    <p:sldId id="256" r:id="rId2"/>
+    <p:sldId id="259" r:id="rId3"/>
+    <p:sldId id="267" r:id="rId4"/>
+    <p:sldId id="258" r:id="rId5"/>
+    <p:sldId id="257" r:id="rId6"/>
+    <p:sldId id="260" r:id="rId7"/>
+    <p:sldId id="261" r:id="rId8"/>
+    <p:sldId id="262" r:id="rId9"/>
+    <p:sldId id="266" r:id="rId10"/>
+    <p:sldId id="265" r:id="rId11"/>
   </p:sldIdLst>
   <p:sldSz cx="12192000" cy="6858000"/>
   <p:notesSz cx="6858000" cy="9144000"/>
@@ -113,6 +113,11 @@
       </a:defRPr>
     </a:lvl9pPr>
   </p:defaultTextStyle>
+  <p:extLst>
+    <p:ext uri="{EFAFB233-063F-42B5-8137-9DF3F51BA10A}">
+      <p15:sldGuideLst xmlns:p15="http://schemas.microsoft.com/office/powerpoint/2012/main"/>
+    </p:ext>
+  </p:extLst>
 </p:presentation>
 </file>
 
@@ -158,10 +163,9 @@
           </a:lstStyle>
           <a:p>
             <a:r>
-              <a:rPr lang="pt-BR" smtClean="0"/>
+              <a:rPr lang="pt-BR"/>
               <a:t>Clique para editar o título mestre</a:t>
             </a:r>
-            <a:endParaRPr lang="pt-BR"/>
           </a:p>
         </p:txBody>
       </p:sp>
@@ -223,10 +227,9 @@
           </a:lstStyle>
           <a:p>
             <a:r>
-              <a:rPr lang="pt-BR" smtClean="0"/>
+              <a:rPr lang="pt-BR"/>
               <a:t>Clique para editar o estilo do subtítulo Mestre</a:t>
             </a:r>
-            <a:endParaRPr lang="pt-BR"/>
           </a:p>
         </p:txBody>
       </p:sp>
@@ -247,6 +250,7 @@
           <a:p>
             <a:fld id="{139939A6-5271-4AEF-BAD9-448B056C5B5F}" type="datetimeFigureOut">
               <a:rPr lang="pt-BR" smtClean="0"/>
+              <a:t>04/12/2020</a:t>
             </a:fld>
             <a:endParaRPr lang="pt-BR"/>
           </a:p>
@@ -288,6 +292,7 @@
           <a:p>
             <a:fld id="{B61A1005-5645-43F1-97AC-F58186CB3A95}" type="slidenum">
               <a:rPr lang="pt-BR" smtClean="0"/>
+              <a:t>‹nº›</a:t>
             </a:fld>
             <a:endParaRPr lang="pt-BR"/>
           </a:p>
@@ -335,10 +340,9 @@
           <a:lstStyle/>
           <a:p>
             <a:r>
-              <a:rPr lang="pt-BR" smtClean="0"/>
+              <a:rPr lang="pt-BR"/>
               <a:t>Clique para editar o título mestre</a:t>
             </a:r>
-            <a:endParaRPr lang="pt-BR"/>
           </a:p>
         </p:txBody>
       </p:sp>
@@ -359,42 +363,37 @@
           <a:p>
             <a:pPr lvl="0"/>
             <a:r>
-              <a:rPr lang="pt-BR" smtClean="0"/>
+              <a:rPr lang="pt-BR"/>
               <a:t>Editar estilos de texto Mestre</a:t>
             </a:r>
-            <a:endParaRPr lang="pt-BR" smtClean="0"/>
           </a:p>
           <a:p>
             <a:pPr lvl="1"/>
             <a:r>
-              <a:rPr lang="pt-BR" smtClean="0"/>
+              <a:rPr lang="pt-BR"/>
               <a:t>Segundo nível</a:t>
             </a:r>
-            <a:endParaRPr lang="pt-BR" smtClean="0"/>
           </a:p>
           <a:p>
             <a:pPr lvl="2"/>
             <a:r>
-              <a:rPr lang="pt-BR" smtClean="0"/>
+              <a:rPr lang="pt-BR"/>
               <a:t>Terceiro nível</a:t>
             </a:r>
-            <a:endParaRPr lang="pt-BR" smtClean="0"/>
           </a:p>
           <a:p>
             <a:pPr lvl="3"/>
             <a:r>
-              <a:rPr lang="pt-BR" smtClean="0"/>
+              <a:rPr lang="pt-BR"/>
               <a:t>Quarto nível</a:t>
             </a:r>
-            <a:endParaRPr lang="pt-BR" smtClean="0"/>
           </a:p>
           <a:p>
             <a:pPr lvl="4"/>
             <a:r>
-              <a:rPr lang="pt-BR" smtClean="0"/>
+              <a:rPr lang="pt-BR"/>
               <a:t>Quinto nível</a:t>
             </a:r>
-            <a:endParaRPr lang="pt-BR"/>
           </a:p>
         </p:txBody>
       </p:sp>
@@ -415,6 +414,7 @@
           <a:p>
             <a:fld id="{139939A6-5271-4AEF-BAD9-448B056C5B5F}" type="datetimeFigureOut">
               <a:rPr lang="pt-BR" smtClean="0"/>
+              <a:t>04/12/2020</a:t>
             </a:fld>
             <a:endParaRPr lang="pt-BR"/>
           </a:p>
@@ -456,6 +456,7 @@
           <a:p>
             <a:fld id="{B61A1005-5645-43F1-97AC-F58186CB3A95}" type="slidenum">
               <a:rPr lang="pt-BR" smtClean="0"/>
+              <a:t>‹nº›</a:t>
             </a:fld>
             <a:endParaRPr lang="pt-BR"/>
           </a:p>
@@ -508,10 +509,9 @@
           <a:lstStyle/>
           <a:p>
             <a:r>
-              <a:rPr lang="pt-BR" smtClean="0"/>
+              <a:rPr lang="pt-BR"/>
               <a:t>Clique para editar o título mestre</a:t>
             </a:r>
-            <a:endParaRPr lang="pt-BR"/>
           </a:p>
         </p:txBody>
       </p:sp>
@@ -537,42 +537,37 @@
           <a:p>
             <a:pPr lvl="0"/>
             <a:r>
-              <a:rPr lang="pt-BR" smtClean="0"/>
+              <a:rPr lang="pt-BR"/>
               <a:t>Editar estilos de texto Mestre</a:t>
             </a:r>
-            <a:endParaRPr lang="pt-BR" smtClean="0"/>
           </a:p>
           <a:p>
             <a:pPr lvl="1"/>
             <a:r>
-              <a:rPr lang="pt-BR" smtClean="0"/>
+              <a:rPr lang="pt-BR"/>
               <a:t>Segundo nível</a:t>
             </a:r>
-            <a:endParaRPr lang="pt-BR" smtClean="0"/>
           </a:p>
           <a:p>
             <a:pPr lvl="2"/>
             <a:r>
-              <a:rPr lang="pt-BR" smtClean="0"/>
+              <a:rPr lang="pt-BR"/>
               <a:t>Terceiro nível</a:t>
             </a:r>
-            <a:endParaRPr lang="pt-BR" smtClean="0"/>
           </a:p>
           <a:p>
             <a:pPr lvl="3"/>
             <a:r>
-              <a:rPr lang="pt-BR" smtClean="0"/>
+              <a:rPr lang="pt-BR"/>
               <a:t>Quarto nível</a:t>
             </a:r>
-            <a:endParaRPr lang="pt-BR" smtClean="0"/>
           </a:p>
           <a:p>
             <a:pPr lvl="4"/>
             <a:r>
-              <a:rPr lang="pt-BR" smtClean="0"/>
+              <a:rPr lang="pt-BR"/>
               <a:t>Quinto nível</a:t>
             </a:r>
-            <a:endParaRPr lang="pt-BR"/>
           </a:p>
         </p:txBody>
       </p:sp>
@@ -593,6 +588,7 @@
           <a:p>
             <a:fld id="{139939A6-5271-4AEF-BAD9-448B056C5B5F}" type="datetimeFigureOut">
               <a:rPr lang="pt-BR" smtClean="0"/>
+              <a:t>04/12/2020</a:t>
             </a:fld>
             <a:endParaRPr lang="pt-BR"/>
           </a:p>
@@ -634,6 +630,7 @@
           <a:p>
             <a:fld id="{B61A1005-5645-43F1-97AC-F58186CB3A95}" type="slidenum">
               <a:rPr lang="pt-BR" smtClean="0"/>
+              <a:t>‹nº›</a:t>
             </a:fld>
             <a:endParaRPr lang="pt-BR"/>
           </a:p>
@@ -681,10 +678,9 @@
           <a:lstStyle/>
           <a:p>
             <a:r>
-              <a:rPr lang="pt-BR" smtClean="0"/>
+              <a:rPr lang="pt-BR"/>
               <a:t>Clique para editar o título mestre</a:t>
             </a:r>
-            <a:endParaRPr lang="pt-BR"/>
           </a:p>
         </p:txBody>
       </p:sp>
@@ -705,42 +701,37 @@
           <a:p>
             <a:pPr lvl="0"/>
             <a:r>
-              <a:rPr lang="pt-BR" smtClean="0"/>
+              <a:rPr lang="pt-BR"/>
               <a:t>Editar estilos de texto Mestre</a:t>
             </a:r>
-            <a:endParaRPr lang="pt-BR" smtClean="0"/>
           </a:p>
           <a:p>
             <a:pPr lvl="1"/>
             <a:r>
-              <a:rPr lang="pt-BR" smtClean="0"/>
+              <a:rPr lang="pt-BR"/>
               <a:t>Segundo nível</a:t>
             </a:r>
-            <a:endParaRPr lang="pt-BR" smtClean="0"/>
           </a:p>
           <a:p>
             <a:pPr lvl="2"/>
             <a:r>
-              <a:rPr lang="pt-BR" smtClean="0"/>
+              <a:rPr lang="pt-BR"/>
               <a:t>Terceiro nível</a:t>
             </a:r>
-            <a:endParaRPr lang="pt-BR" smtClean="0"/>
           </a:p>
           <a:p>
             <a:pPr lvl="3"/>
             <a:r>
-              <a:rPr lang="pt-BR" smtClean="0"/>
+              <a:rPr lang="pt-BR"/>
               <a:t>Quarto nível</a:t>
             </a:r>
-            <a:endParaRPr lang="pt-BR" smtClean="0"/>
           </a:p>
           <a:p>
             <a:pPr lvl="4"/>
             <a:r>
-              <a:rPr lang="pt-BR" smtClean="0"/>
+              <a:rPr lang="pt-BR"/>
               <a:t>Quinto nível</a:t>
             </a:r>
-            <a:endParaRPr lang="pt-BR"/>
           </a:p>
         </p:txBody>
       </p:sp>
@@ -761,6 +752,7 @@
           <a:p>
             <a:fld id="{139939A6-5271-4AEF-BAD9-448B056C5B5F}" type="datetimeFigureOut">
               <a:rPr lang="pt-BR" smtClean="0"/>
+              <a:t>04/12/2020</a:t>
             </a:fld>
             <a:endParaRPr lang="pt-BR"/>
           </a:p>
@@ -802,6 +794,7 @@
           <a:p>
             <a:fld id="{B61A1005-5645-43F1-97AC-F58186CB3A95}" type="slidenum">
               <a:rPr lang="pt-BR" smtClean="0"/>
+              <a:t>‹nº›</a:t>
             </a:fld>
             <a:endParaRPr lang="pt-BR"/>
           </a:p>
@@ -858,10 +851,9 @@
           </a:lstStyle>
           <a:p>
             <a:r>
-              <a:rPr lang="pt-BR" smtClean="0"/>
+              <a:rPr lang="pt-BR"/>
               <a:t>Clique para editar o título mestre</a:t>
             </a:r>
-            <a:endParaRPr lang="pt-BR"/>
           </a:p>
         </p:txBody>
       </p:sp>
@@ -978,10 +970,9 @@
           <a:p>
             <a:pPr lvl="0"/>
             <a:r>
-              <a:rPr lang="pt-BR" smtClean="0"/>
+              <a:rPr lang="pt-BR"/>
               <a:t>Editar estilos de texto Mestre</a:t>
             </a:r>
-            <a:endParaRPr lang="pt-BR" smtClean="0"/>
           </a:p>
         </p:txBody>
       </p:sp>
@@ -1002,6 +993,7 @@
           <a:p>
             <a:fld id="{139939A6-5271-4AEF-BAD9-448B056C5B5F}" type="datetimeFigureOut">
               <a:rPr lang="pt-BR" smtClean="0"/>
+              <a:t>04/12/2020</a:t>
             </a:fld>
             <a:endParaRPr lang="pt-BR"/>
           </a:p>
@@ -1043,6 +1035,7 @@
           <a:p>
             <a:fld id="{B61A1005-5645-43F1-97AC-F58186CB3A95}" type="slidenum">
               <a:rPr lang="pt-BR" smtClean="0"/>
+              <a:t>‹nº›</a:t>
             </a:fld>
             <a:endParaRPr lang="pt-BR"/>
           </a:p>
@@ -1090,10 +1083,9 @@
           <a:lstStyle/>
           <a:p>
             <a:r>
-              <a:rPr lang="pt-BR" smtClean="0"/>
+              <a:rPr lang="pt-BR"/>
               <a:t>Clique para editar o título mestre</a:t>
             </a:r>
-            <a:endParaRPr lang="pt-BR"/>
           </a:p>
         </p:txBody>
       </p:sp>
@@ -1119,42 +1111,37 @@
           <a:p>
             <a:pPr lvl="0"/>
             <a:r>
-              <a:rPr lang="pt-BR" smtClean="0"/>
+              <a:rPr lang="pt-BR"/>
               <a:t>Editar estilos de texto Mestre</a:t>
             </a:r>
-            <a:endParaRPr lang="pt-BR" smtClean="0"/>
           </a:p>
           <a:p>
             <a:pPr lvl="1"/>
             <a:r>
-              <a:rPr lang="pt-BR" smtClean="0"/>
+              <a:rPr lang="pt-BR"/>
               <a:t>Segundo nível</a:t>
             </a:r>
-            <a:endParaRPr lang="pt-BR" smtClean="0"/>
           </a:p>
           <a:p>
             <a:pPr lvl="2"/>
             <a:r>
-              <a:rPr lang="pt-BR" smtClean="0"/>
+              <a:rPr lang="pt-BR"/>
               <a:t>Terceiro nível</a:t>
             </a:r>
-            <a:endParaRPr lang="pt-BR" smtClean="0"/>
           </a:p>
           <a:p>
             <a:pPr lvl="3"/>
             <a:r>
-              <a:rPr lang="pt-BR" smtClean="0"/>
+              <a:rPr lang="pt-BR"/>
               <a:t>Quarto nível</a:t>
             </a:r>
-            <a:endParaRPr lang="pt-BR" smtClean="0"/>
           </a:p>
           <a:p>
             <a:pPr lvl="4"/>
             <a:r>
-              <a:rPr lang="pt-BR" smtClean="0"/>
+              <a:rPr lang="pt-BR"/>
               <a:t>Quinto nível</a:t>
             </a:r>
-            <a:endParaRPr lang="pt-BR"/>
           </a:p>
         </p:txBody>
       </p:sp>
@@ -1180,42 +1167,37 @@
           <a:p>
             <a:pPr lvl="0"/>
             <a:r>
-              <a:rPr lang="pt-BR" smtClean="0"/>
+              <a:rPr lang="pt-BR"/>
               <a:t>Editar estilos de texto Mestre</a:t>
             </a:r>
-            <a:endParaRPr lang="pt-BR" smtClean="0"/>
           </a:p>
           <a:p>
             <a:pPr lvl="1"/>
             <a:r>
-              <a:rPr lang="pt-BR" smtClean="0"/>
+              <a:rPr lang="pt-BR"/>
               <a:t>Segundo nível</a:t>
             </a:r>
-            <a:endParaRPr lang="pt-BR" smtClean="0"/>
           </a:p>
           <a:p>
             <a:pPr lvl="2"/>
             <a:r>
-              <a:rPr lang="pt-BR" smtClean="0"/>
+              <a:rPr lang="pt-BR"/>
               <a:t>Terceiro nível</a:t>
             </a:r>
-            <a:endParaRPr lang="pt-BR" smtClean="0"/>
           </a:p>
           <a:p>
             <a:pPr lvl="3"/>
             <a:r>
-              <a:rPr lang="pt-BR" smtClean="0"/>
+              <a:rPr lang="pt-BR"/>
               <a:t>Quarto nível</a:t>
             </a:r>
-            <a:endParaRPr lang="pt-BR" smtClean="0"/>
           </a:p>
           <a:p>
             <a:pPr lvl="4"/>
             <a:r>
-              <a:rPr lang="pt-BR" smtClean="0"/>
+              <a:rPr lang="pt-BR"/>
               <a:t>Quinto nível</a:t>
             </a:r>
-            <a:endParaRPr lang="pt-BR"/>
           </a:p>
         </p:txBody>
       </p:sp>
@@ -1236,6 +1218,7 @@
           <a:p>
             <a:fld id="{139939A6-5271-4AEF-BAD9-448B056C5B5F}" type="datetimeFigureOut">
               <a:rPr lang="pt-BR" smtClean="0"/>
+              <a:t>04/12/2020</a:t>
             </a:fld>
             <a:endParaRPr lang="pt-BR"/>
           </a:p>
@@ -1277,6 +1260,7 @@
           <a:p>
             <a:fld id="{B61A1005-5645-43F1-97AC-F58186CB3A95}" type="slidenum">
               <a:rPr lang="pt-BR" smtClean="0"/>
+              <a:t>‹nº›</a:t>
             </a:fld>
             <a:endParaRPr lang="pt-BR"/>
           </a:p>
@@ -1329,10 +1313,9 @@
           <a:lstStyle/>
           <a:p>
             <a:r>
-              <a:rPr lang="pt-BR" smtClean="0"/>
+              <a:rPr lang="pt-BR"/>
               <a:t>Clique para editar o título mestre</a:t>
             </a:r>
-            <a:endParaRPr lang="pt-BR"/>
           </a:p>
         </p:txBody>
       </p:sp>
@@ -1395,10 +1378,9 @@
           <a:p>
             <a:pPr lvl="0"/>
             <a:r>
-              <a:rPr lang="pt-BR" smtClean="0"/>
+              <a:rPr lang="pt-BR"/>
               <a:t>Editar estilos de texto Mestre</a:t>
             </a:r>
-            <a:endParaRPr lang="pt-BR" smtClean="0"/>
           </a:p>
         </p:txBody>
       </p:sp>
@@ -1424,42 +1406,37 @@
           <a:p>
             <a:pPr lvl="0"/>
             <a:r>
-              <a:rPr lang="pt-BR" smtClean="0"/>
+              <a:rPr lang="pt-BR"/>
               <a:t>Editar estilos de texto Mestre</a:t>
             </a:r>
-            <a:endParaRPr lang="pt-BR" smtClean="0"/>
           </a:p>
           <a:p>
             <a:pPr lvl="1"/>
             <a:r>
-              <a:rPr lang="pt-BR" smtClean="0"/>
+              <a:rPr lang="pt-BR"/>
               <a:t>Segundo nível</a:t>
             </a:r>
-            <a:endParaRPr lang="pt-BR" smtClean="0"/>
           </a:p>
           <a:p>
             <a:pPr lvl="2"/>
             <a:r>
-              <a:rPr lang="pt-BR" smtClean="0"/>
+              <a:rPr lang="pt-BR"/>
               <a:t>Terceiro nível</a:t>
             </a:r>
-            <a:endParaRPr lang="pt-BR" smtClean="0"/>
           </a:p>
           <a:p>
             <a:pPr lvl="3"/>
             <a:r>
-              <a:rPr lang="pt-BR" smtClean="0"/>
+              <a:rPr lang="pt-BR"/>
               <a:t>Quarto nível</a:t>
             </a:r>
-            <a:endParaRPr lang="pt-BR" smtClean="0"/>
           </a:p>
           <a:p>
             <a:pPr lvl="4"/>
             <a:r>
-              <a:rPr lang="pt-BR" smtClean="0"/>
+              <a:rPr lang="pt-BR"/>
               <a:t>Quinto nível</a:t>
             </a:r>
-            <a:endParaRPr lang="pt-BR"/>
           </a:p>
         </p:txBody>
       </p:sp>
@@ -1522,10 +1499,9 @@
           <a:p>
             <a:pPr lvl="0"/>
             <a:r>
-              <a:rPr lang="pt-BR" smtClean="0"/>
+              <a:rPr lang="pt-BR"/>
               <a:t>Editar estilos de texto Mestre</a:t>
             </a:r>
-            <a:endParaRPr lang="pt-BR" smtClean="0"/>
           </a:p>
         </p:txBody>
       </p:sp>
@@ -1551,42 +1527,37 @@
           <a:p>
             <a:pPr lvl="0"/>
             <a:r>
-              <a:rPr lang="pt-BR" smtClean="0"/>
+              <a:rPr lang="pt-BR"/>
               <a:t>Editar estilos de texto Mestre</a:t>
             </a:r>
-            <a:endParaRPr lang="pt-BR" smtClean="0"/>
           </a:p>
           <a:p>
             <a:pPr lvl="1"/>
             <a:r>
-              <a:rPr lang="pt-BR" smtClean="0"/>
+              <a:rPr lang="pt-BR"/>
               <a:t>Segundo nível</a:t>
             </a:r>
-            <a:endParaRPr lang="pt-BR" smtClean="0"/>
           </a:p>
           <a:p>
             <a:pPr lvl="2"/>
             <a:r>
-              <a:rPr lang="pt-BR" smtClean="0"/>
+              <a:rPr lang="pt-BR"/>
               <a:t>Terceiro nível</a:t>
             </a:r>
-            <a:endParaRPr lang="pt-BR" smtClean="0"/>
           </a:p>
           <a:p>
             <a:pPr lvl="3"/>
             <a:r>
-              <a:rPr lang="pt-BR" smtClean="0"/>
+              <a:rPr lang="pt-BR"/>
               <a:t>Quarto nível</a:t>
             </a:r>
-            <a:endParaRPr lang="pt-BR" smtClean="0"/>
           </a:p>
           <a:p>
             <a:pPr lvl="4"/>
             <a:r>
-              <a:rPr lang="pt-BR" smtClean="0"/>
+              <a:rPr lang="pt-BR"/>
               <a:t>Quinto nível</a:t>
             </a:r>
-            <a:endParaRPr lang="pt-BR"/>
           </a:p>
         </p:txBody>
       </p:sp>
@@ -1607,6 +1578,7 @@
           <a:p>
             <a:fld id="{139939A6-5271-4AEF-BAD9-448B056C5B5F}" type="datetimeFigureOut">
               <a:rPr lang="pt-BR" smtClean="0"/>
+              <a:t>04/12/2020</a:t>
             </a:fld>
             <a:endParaRPr lang="pt-BR"/>
           </a:p>
@@ -1648,6 +1620,7 @@
           <a:p>
             <a:fld id="{B61A1005-5645-43F1-97AC-F58186CB3A95}" type="slidenum">
               <a:rPr lang="pt-BR" smtClean="0"/>
+              <a:t>‹nº›</a:t>
             </a:fld>
             <a:endParaRPr lang="pt-BR"/>
           </a:p>
@@ -1695,10 +1668,9 @@
           <a:lstStyle/>
           <a:p>
             <a:r>
-              <a:rPr lang="pt-BR" smtClean="0"/>
+              <a:rPr lang="pt-BR"/>
               <a:t>Clique para editar o título mestre</a:t>
             </a:r>
-            <a:endParaRPr lang="pt-BR"/>
           </a:p>
         </p:txBody>
       </p:sp>
@@ -1719,6 +1691,7 @@
           <a:p>
             <a:fld id="{139939A6-5271-4AEF-BAD9-448B056C5B5F}" type="datetimeFigureOut">
               <a:rPr lang="pt-BR" smtClean="0"/>
+              <a:t>04/12/2020</a:t>
             </a:fld>
             <a:endParaRPr lang="pt-BR"/>
           </a:p>
@@ -1760,6 +1733,7 @@
           <a:p>
             <a:fld id="{B61A1005-5645-43F1-97AC-F58186CB3A95}" type="slidenum">
               <a:rPr lang="pt-BR" smtClean="0"/>
+              <a:t>‹nº›</a:t>
             </a:fld>
             <a:endParaRPr lang="pt-BR"/>
           </a:p>
@@ -1808,6 +1782,7 @@
           <a:p>
             <a:fld id="{139939A6-5271-4AEF-BAD9-448B056C5B5F}" type="datetimeFigureOut">
               <a:rPr lang="pt-BR" smtClean="0"/>
+              <a:t>04/12/2020</a:t>
             </a:fld>
             <a:endParaRPr lang="pt-BR"/>
           </a:p>
@@ -1849,6 +1824,7 @@
           <a:p>
             <a:fld id="{B61A1005-5645-43F1-97AC-F58186CB3A95}" type="slidenum">
               <a:rPr lang="pt-BR" smtClean="0"/>
+              <a:t>‹nº›</a:t>
             </a:fld>
             <a:endParaRPr lang="pt-BR"/>
           </a:p>
@@ -1905,10 +1881,9 @@
           </a:lstStyle>
           <a:p>
             <a:r>
-              <a:rPr lang="pt-BR" smtClean="0"/>
+              <a:rPr lang="pt-BR"/>
               <a:t>Clique para editar o título mestre</a:t>
             </a:r>
-            <a:endParaRPr lang="pt-BR"/>
           </a:p>
         </p:txBody>
       </p:sp>
@@ -1962,42 +1937,37 @@
           <a:p>
             <a:pPr lvl="0"/>
             <a:r>
-              <a:rPr lang="pt-BR" smtClean="0"/>
+              <a:rPr lang="pt-BR"/>
               <a:t>Editar estilos de texto Mestre</a:t>
             </a:r>
-            <a:endParaRPr lang="pt-BR" smtClean="0"/>
           </a:p>
           <a:p>
             <a:pPr lvl="1"/>
             <a:r>
-              <a:rPr lang="pt-BR" smtClean="0"/>
+              <a:rPr lang="pt-BR"/>
               <a:t>Segundo nível</a:t>
             </a:r>
-            <a:endParaRPr lang="pt-BR" smtClean="0"/>
           </a:p>
           <a:p>
             <a:pPr lvl="2"/>
             <a:r>
-              <a:rPr lang="pt-BR" smtClean="0"/>
+              <a:rPr lang="pt-BR"/>
               <a:t>Terceiro nível</a:t>
             </a:r>
-            <a:endParaRPr lang="pt-BR" smtClean="0"/>
           </a:p>
           <a:p>
             <a:pPr lvl="3"/>
             <a:r>
-              <a:rPr lang="pt-BR" smtClean="0"/>
+              <a:rPr lang="pt-BR"/>
               <a:t>Quarto nível</a:t>
             </a:r>
-            <a:endParaRPr lang="pt-BR" smtClean="0"/>
           </a:p>
           <a:p>
             <a:pPr lvl="4"/>
             <a:r>
-              <a:rPr lang="pt-BR" smtClean="0"/>
+              <a:rPr lang="pt-BR"/>
               <a:t>Quinto nível</a:t>
             </a:r>
-            <a:endParaRPr lang="pt-BR"/>
           </a:p>
         </p:txBody>
       </p:sp>
@@ -2060,10 +2030,9 @@
           <a:p>
             <a:pPr lvl="0"/>
             <a:r>
-              <a:rPr lang="pt-BR" smtClean="0"/>
+              <a:rPr lang="pt-BR"/>
               <a:t>Editar estilos de texto Mestre</a:t>
             </a:r>
-            <a:endParaRPr lang="pt-BR" smtClean="0"/>
           </a:p>
         </p:txBody>
       </p:sp>
@@ -2084,6 +2053,7 @@
           <a:p>
             <a:fld id="{139939A6-5271-4AEF-BAD9-448B056C5B5F}" type="datetimeFigureOut">
               <a:rPr lang="pt-BR" smtClean="0"/>
+              <a:t>04/12/2020</a:t>
             </a:fld>
             <a:endParaRPr lang="pt-BR"/>
           </a:p>
@@ -2125,6 +2095,7 @@
           <a:p>
             <a:fld id="{B61A1005-5645-43F1-97AC-F58186CB3A95}" type="slidenum">
               <a:rPr lang="pt-BR" smtClean="0"/>
+              <a:t>‹nº›</a:t>
             </a:fld>
             <a:endParaRPr lang="pt-BR"/>
           </a:p>
@@ -2181,10 +2152,9 @@
           </a:lstStyle>
           <a:p>
             <a:r>
-              <a:rPr lang="pt-BR" smtClean="0"/>
+              <a:rPr lang="pt-BR"/>
               <a:t>Clique para editar o título mestre</a:t>
             </a:r>
-            <a:endParaRPr lang="pt-BR"/>
           </a:p>
         </p:txBody>
       </p:sp>
@@ -2308,10 +2278,9 @@
           <a:p>
             <a:pPr lvl="0"/>
             <a:r>
-              <a:rPr lang="pt-BR" smtClean="0"/>
+              <a:rPr lang="pt-BR"/>
               <a:t>Editar estilos de texto Mestre</a:t>
             </a:r>
-            <a:endParaRPr lang="pt-BR" smtClean="0"/>
           </a:p>
         </p:txBody>
       </p:sp>
@@ -2332,6 +2301,7 @@
           <a:p>
             <a:fld id="{139939A6-5271-4AEF-BAD9-448B056C5B5F}" type="datetimeFigureOut">
               <a:rPr lang="pt-BR" smtClean="0"/>
+              <a:t>04/12/2020</a:t>
             </a:fld>
             <a:endParaRPr lang="pt-BR"/>
           </a:p>
@@ -2373,6 +2343,7 @@
           <a:p>
             <a:fld id="{B61A1005-5645-43F1-97AC-F58186CB3A95}" type="slidenum">
               <a:rPr lang="pt-BR" smtClean="0"/>
+              <a:t>‹nº›</a:t>
             </a:fld>
             <a:endParaRPr lang="pt-BR"/>
           </a:p>
@@ -2406,11 +2377,20 @@
         <p:cNvGrpSpPr/>
         <p:nvPr/>
       </p:nvGrpSpPr>
-      <p:grpSpPr/>
+      <p:grpSpPr>
+        <a:xfrm>
+          <a:off x="0" y="0"/>
+          <a:ext cx="0" cy="0"/>
+          <a:chOff x="0" y="0"/>
+          <a:chExt cx="0" cy="0"/>
+        </a:xfrm>
+      </p:grpSpPr>
       <p:sp>
         <p:nvSpPr>
           <p:cNvPr id="1026" name="Título 1025"/>
-          <p:cNvSpPr/>
+          <p:cNvSpPr>
+            <a:spLocks noGrp="1"/>
+          </p:cNvSpPr>
           <p:nvPr>
             <p:ph type="title"/>
           </p:nvPr>
@@ -2430,6 +2410,7 @@
         </p:spPr>
         <p:txBody>
           <a:bodyPr anchor="ctr"/>
+          <a:lstStyle/>
           <a:p>
             <a:pPr lvl="0"/>
             <a:r>
@@ -2441,7 +2422,9 @@
       <p:sp>
         <p:nvSpPr>
           <p:cNvPr id="1027" name="Espaço Reservado para Texto 1026"/>
-          <p:cNvSpPr/>
+          <p:cNvSpPr>
+            <a:spLocks noGrp="1"/>
+          </p:cNvSpPr>
           <p:nvPr>
             <p:ph type="body" idx="1"/>
           </p:nvPr>
@@ -2461,6 +2444,7 @@
         </p:spPr>
         <p:txBody>
           <a:bodyPr/>
+          <a:lstStyle/>
           <a:p>
             <a:pPr lvl="0"/>
             <a:r>
@@ -2496,7 +2480,9 @@
       <p:sp>
         <p:nvSpPr>
           <p:cNvPr id="1028" name="Espaço Reservado para Data 1027"/>
-          <p:cNvSpPr/>
+          <p:cNvSpPr>
+            <a:spLocks noGrp="1"/>
+          </p:cNvSpPr>
           <p:nvPr>
             <p:ph type="dt" sz="half" idx="2"/>
           </p:nvPr>
@@ -2524,6 +2510,7 @@
           <a:p>
             <a:fld id="{139939A6-5271-4AEF-BAD9-448B056C5B5F}" type="datetimeFigureOut">
               <a:rPr lang="pt-BR" smtClean="0"/>
+              <a:t>04/12/2020</a:t>
             </a:fld>
             <a:endParaRPr lang="pt-BR"/>
           </a:p>
@@ -2532,7 +2519,9 @@
       <p:sp>
         <p:nvSpPr>
           <p:cNvPr id="1029" name="Espaço Reservado para Rodapé 1028"/>
-          <p:cNvSpPr/>
+          <p:cNvSpPr>
+            <a:spLocks noGrp="1"/>
+          </p:cNvSpPr>
           <p:nvPr>
             <p:ph type="ftr" sz="quarter" idx="3"/>
           </p:nvPr>
@@ -2565,7 +2554,9 @@
       <p:sp>
         <p:nvSpPr>
           <p:cNvPr id="1030" name="Espaço Reservado para Número de Slide 1029"/>
-          <p:cNvSpPr/>
+          <p:cNvSpPr>
+            <a:spLocks noGrp="1"/>
+          </p:cNvSpPr>
           <p:nvPr>
             <p:ph type="sldNum" sz="quarter" idx="4"/>
           </p:nvPr>
@@ -2593,6 +2584,7 @@
           <a:p>
             <a:fld id="{B61A1005-5645-43F1-97AC-F58186CB3A95}" type="slidenum">
               <a:rPr lang="pt-BR" smtClean="0"/>
+              <a:t>‹nº›</a:t>
             </a:fld>
             <a:endParaRPr lang="pt-BR"/>
           </a:p>
@@ -3051,7 +3043,6 @@
               <a:rPr lang="pt-BR" dirty="0"/>
               <a:t>Caixa ER</a:t>
             </a:r>
-            <a:endParaRPr lang="pt-BR" dirty="0"/>
           </a:p>
         </p:txBody>
       </p:sp>
@@ -3095,7 +3086,14 @@
         <p:cNvGrpSpPr/>
         <p:nvPr/>
       </p:nvGrpSpPr>
-      <p:grpSpPr/>
+      <p:grpSpPr>
+        <a:xfrm>
+          <a:off x="0" y="0"/>
+          <a:ext cx="0" cy="0"/>
+          <a:chOff x="0" y="0"/>
+          <a:chExt cx="0" cy="0"/>
+        </a:xfrm>
+      </p:grpSpPr>
     </p:spTree>
   </p:cSld>
   <p:clrMapOvr>
@@ -3140,7 +3138,6 @@
               <a:rPr lang="pt-BR" dirty="0"/>
               <a:t>Banco de dados</a:t>
             </a:r>
-            <a:endParaRPr lang="pt-BR" dirty="0"/>
           </a:p>
         </p:txBody>
       </p:sp>
@@ -3165,8 +3162,20 @@
                 <a:tableStyleId>{21E4AEA4-8DFA-4A89-87EB-49C32662AFE0}</a:tableStyleId>
               </a:tblPr>
               <a:tblGrid>
-                <a:gridCol w="609600"/>
-                <a:gridCol w="609600"/>
+                <a:gridCol w="609600">
+                  <a:extLst>
+                    <a:ext uri="{9D8B030D-6E8A-4147-A177-3AD203B41FA5}">
+                      <a16:colId xmlns:a16="http://schemas.microsoft.com/office/drawing/2014/main" val="20000"/>
+                    </a:ext>
+                  </a:extLst>
+                </a:gridCol>
+                <a:gridCol w="609600">
+                  <a:extLst>
+                    <a:ext uri="{9D8B030D-6E8A-4147-A177-3AD203B41FA5}">
+                      <a16:colId xmlns:a16="http://schemas.microsoft.com/office/drawing/2014/main" val="20001"/>
+                    </a:ext>
+                  </a:extLst>
+                </a:gridCol>
               </a:tblGrid>
               <a:tr h="190500">
                 <a:tc gridSpan="2">
@@ -3193,8 +3202,20 @@
                   <a:tcPr marL="9525" marR="9525" marT="9525" marB="0" anchor="b"/>
                 </a:tc>
                 <a:tc hMerge="1">
-                  <a:tcPr marL="9525" marR="9525" marT="9525" marB="0" anchor="b"/>
-                </a:tc>
+                  <a:txBody>
+                    <a:bodyPr/>
+                    <a:lstStyle/>
+                    <a:p>
+                      <a:endParaRPr lang="pt-BR"/>
+                    </a:p>
+                  </a:txBody>
+                  <a:tcPr marL="9525" marR="9525" marT="9525" marB="0" anchor="b"/>
+                </a:tc>
+                <a:extLst>
+                  <a:ext uri="{0D108BD9-81ED-4DB2-BD59-A6C34878D82A}">
+                    <a16:rowId xmlns:a16="http://schemas.microsoft.com/office/drawing/2014/main" val="10000"/>
+                  </a:ext>
+                </a:extLst>
               </a:tr>
               <a:tr h="190500">
                 <a:tc>
@@ -3243,6 +3264,11 @@
                   </a:txBody>
                   <a:tcPr marL="9525" marR="9525" marT="9525" marB="0" anchor="b"/>
                 </a:tc>
+                <a:extLst>
+                  <a:ext uri="{0D108BD9-81ED-4DB2-BD59-A6C34878D82A}">
+                    <a16:rowId xmlns:a16="http://schemas.microsoft.com/office/drawing/2014/main" val="10001"/>
+                  </a:ext>
+                </a:extLst>
               </a:tr>
               <a:tr h="190500">
                 <a:tc>
@@ -3291,6 +3317,11 @@
                   </a:txBody>
                   <a:tcPr marL="9525" marR="9525" marT="9525" marB="0" anchor="b"/>
                 </a:tc>
+                <a:extLst>
+                  <a:ext uri="{0D108BD9-81ED-4DB2-BD59-A6C34878D82A}">
+                    <a16:rowId xmlns:a16="http://schemas.microsoft.com/office/drawing/2014/main" val="10002"/>
+                  </a:ext>
+                </a:extLst>
               </a:tr>
               <a:tr h="190500">
                 <a:tc>
@@ -3339,6 +3370,11 @@
                   </a:txBody>
                   <a:tcPr marL="9525" marR="9525" marT="9525" marB="0" anchor="b"/>
                 </a:tc>
+                <a:extLst>
+                  <a:ext uri="{0D108BD9-81ED-4DB2-BD59-A6C34878D82A}">
+                    <a16:rowId xmlns:a16="http://schemas.microsoft.com/office/drawing/2014/main" val="10003"/>
+                  </a:ext>
+                </a:extLst>
               </a:tr>
               <a:tr h="190500">
                 <a:tc>
@@ -3387,6 +3423,11 @@
                   </a:txBody>
                   <a:tcPr marL="9525" marR="9525" marT="9525" marB="0" anchor="b"/>
                 </a:tc>
+                <a:extLst>
+                  <a:ext uri="{0D108BD9-81ED-4DB2-BD59-A6C34878D82A}">
+                    <a16:rowId xmlns:a16="http://schemas.microsoft.com/office/drawing/2014/main" val="10004"/>
+                  </a:ext>
+                </a:extLst>
               </a:tr>
               <a:tr h="190500">
                 <a:tc>
@@ -3435,6 +3476,11 @@
                   </a:txBody>
                   <a:tcPr marL="9525" marR="9525" marT="9525" marB="0" anchor="b"/>
                 </a:tc>
+                <a:extLst>
+                  <a:ext uri="{0D108BD9-81ED-4DB2-BD59-A6C34878D82A}">
+                    <a16:rowId xmlns:a16="http://schemas.microsoft.com/office/drawing/2014/main" val="10005"/>
+                  </a:ext>
+                </a:extLst>
               </a:tr>
               <a:tr h="190500">
                 <a:tc>
@@ -3483,6 +3529,11 @@
                   </a:txBody>
                   <a:tcPr marL="9525" marR="9525" marT="9525" marB="0" anchor="b"/>
                 </a:tc>
+                <a:extLst>
+                  <a:ext uri="{0D108BD9-81ED-4DB2-BD59-A6C34878D82A}">
+                    <a16:rowId xmlns:a16="http://schemas.microsoft.com/office/drawing/2014/main" val="10006"/>
+                  </a:ext>
+                </a:extLst>
               </a:tr>
             </a:tbl>
           </a:graphicData>
@@ -3507,8 +3558,20 @@
                 <a:tableStyleId>{21E4AEA4-8DFA-4A89-87EB-49C32662AFE0}</a:tableStyleId>
               </a:tblPr>
               <a:tblGrid>
-                <a:gridCol w="609600"/>
-                <a:gridCol w="609600"/>
+                <a:gridCol w="609600">
+                  <a:extLst>
+                    <a:ext uri="{9D8B030D-6E8A-4147-A177-3AD203B41FA5}">
+                      <a16:colId xmlns:a16="http://schemas.microsoft.com/office/drawing/2014/main" val="20000"/>
+                    </a:ext>
+                  </a:extLst>
+                </a:gridCol>
+                <a:gridCol w="609600">
+                  <a:extLst>
+                    <a:ext uri="{9D8B030D-6E8A-4147-A177-3AD203B41FA5}">
+                      <a16:colId xmlns:a16="http://schemas.microsoft.com/office/drawing/2014/main" val="20001"/>
+                    </a:ext>
+                  </a:extLst>
+                </a:gridCol>
               </a:tblGrid>
               <a:tr h="190500">
                 <a:tc gridSpan="2">
@@ -3535,8 +3598,20 @@
                   <a:tcPr marL="9525" marR="9525" marT="9525" marB="0" anchor="b"/>
                 </a:tc>
                 <a:tc hMerge="1">
-                  <a:tcPr marL="9525" marR="9525" marT="9525" marB="0" anchor="b"/>
-                </a:tc>
+                  <a:txBody>
+                    <a:bodyPr/>
+                    <a:lstStyle/>
+                    <a:p>
+                      <a:endParaRPr lang="pt-BR"/>
+                    </a:p>
+                  </a:txBody>
+                  <a:tcPr marL="9525" marR="9525" marT="9525" marB="0" anchor="b"/>
+                </a:tc>
+                <a:extLst>
+                  <a:ext uri="{0D108BD9-81ED-4DB2-BD59-A6C34878D82A}">
+                    <a16:rowId xmlns:a16="http://schemas.microsoft.com/office/drawing/2014/main" val="10000"/>
+                  </a:ext>
+                </a:extLst>
               </a:tr>
               <a:tr h="190500">
                 <a:tc>
@@ -3585,6 +3660,11 @@
                   </a:txBody>
                   <a:tcPr marL="9525" marR="9525" marT="9525" marB="0" anchor="b"/>
                 </a:tc>
+                <a:extLst>
+                  <a:ext uri="{0D108BD9-81ED-4DB2-BD59-A6C34878D82A}">
+                    <a16:rowId xmlns:a16="http://schemas.microsoft.com/office/drawing/2014/main" val="10001"/>
+                  </a:ext>
+                </a:extLst>
               </a:tr>
               <a:tr h="190500">
                 <a:tc>
@@ -3639,6 +3719,11 @@
                   </a:txBody>
                   <a:tcPr marL="9525" marR="9525" marT="9525" marB="0" anchor="b"/>
                 </a:tc>
+                <a:extLst>
+                  <a:ext uri="{0D108BD9-81ED-4DB2-BD59-A6C34878D82A}">
+                    <a16:rowId xmlns:a16="http://schemas.microsoft.com/office/drawing/2014/main" val="10002"/>
+                  </a:ext>
+                </a:extLst>
               </a:tr>
               <a:tr h="190500">
                 <a:tc>
@@ -3687,6 +3772,11 @@
                   </a:txBody>
                   <a:tcPr marL="9525" marR="9525" marT="9525" marB="0" anchor="b"/>
                 </a:tc>
+                <a:extLst>
+                  <a:ext uri="{0D108BD9-81ED-4DB2-BD59-A6C34878D82A}">
+                    <a16:rowId xmlns:a16="http://schemas.microsoft.com/office/drawing/2014/main" val="10003"/>
+                  </a:ext>
+                </a:extLst>
               </a:tr>
             </a:tbl>
           </a:graphicData>
@@ -3702,7 +3792,7 @@
         </p:nvGraphicFramePr>
         <p:xfrm>
           <a:off x="2505410" y="3518150"/>
-          <a:ext cx="1219200" cy="762000"/>
+          <a:ext cx="1219200" cy="916305"/>
         </p:xfrm>
         <a:graphic>
           <a:graphicData uri="http://schemas.openxmlformats.org/drawingml/2006/table">
@@ -3711,8 +3801,20 @@
                 <a:tableStyleId>{21E4AEA4-8DFA-4A89-87EB-49C32662AFE0}</a:tableStyleId>
               </a:tblPr>
               <a:tblGrid>
-                <a:gridCol w="627561"/>
-                <a:gridCol w="591639"/>
+                <a:gridCol w="627561">
+                  <a:extLst>
+                    <a:ext uri="{9D8B030D-6E8A-4147-A177-3AD203B41FA5}">
+                      <a16:colId xmlns:a16="http://schemas.microsoft.com/office/drawing/2014/main" val="20000"/>
+                    </a:ext>
+                  </a:extLst>
+                </a:gridCol>
+                <a:gridCol w="591639">
+                  <a:extLst>
+                    <a:ext uri="{9D8B030D-6E8A-4147-A177-3AD203B41FA5}">
+                      <a16:colId xmlns:a16="http://schemas.microsoft.com/office/drawing/2014/main" val="20001"/>
+                    </a:ext>
+                  </a:extLst>
+                </a:gridCol>
               </a:tblGrid>
               <a:tr h="190500">
                 <a:tc gridSpan="2">
@@ -3739,8 +3841,20 @@
                   <a:tcPr marL="9525" marR="9525" marT="9525" marB="0" anchor="b"/>
                 </a:tc>
                 <a:tc hMerge="1">
-                  <a:tcPr marL="9525" marR="9525" marT="9525" marB="0" anchor="b"/>
-                </a:tc>
+                  <a:txBody>
+                    <a:bodyPr/>
+                    <a:lstStyle/>
+                    <a:p>
+                      <a:endParaRPr lang="pt-BR"/>
+                    </a:p>
+                  </a:txBody>
+                  <a:tcPr marL="9525" marR="9525" marT="9525" marB="0" anchor="b"/>
+                </a:tc>
+                <a:extLst>
+                  <a:ext uri="{0D108BD9-81ED-4DB2-BD59-A6C34878D82A}">
+                    <a16:rowId xmlns:a16="http://schemas.microsoft.com/office/drawing/2014/main" val="10000"/>
+                  </a:ext>
+                </a:extLst>
               </a:tr>
               <a:tr h="190500">
                 <a:tc>
@@ -3789,6 +3903,11 @@
                   </a:txBody>
                   <a:tcPr marL="9525" marR="9525" marT="9525" marB="0" anchor="b"/>
                 </a:tc>
+                <a:extLst>
+                  <a:ext uri="{0D108BD9-81ED-4DB2-BD59-A6C34878D82A}">
+                    <a16:rowId xmlns:a16="http://schemas.microsoft.com/office/drawing/2014/main" val="10001"/>
+                  </a:ext>
+                </a:extLst>
               </a:tr>
               <a:tr h="190500">
                 <a:tc>
@@ -3843,6 +3962,11 @@
                   </a:txBody>
                   <a:tcPr marL="9525" marR="9525" marT="9525" marB="0" anchor="b"/>
                 </a:tc>
+                <a:extLst>
+                  <a:ext uri="{0D108BD9-81ED-4DB2-BD59-A6C34878D82A}">
+                    <a16:rowId xmlns:a16="http://schemas.microsoft.com/office/drawing/2014/main" val="10002"/>
+                  </a:ext>
+                </a:extLst>
               </a:tr>
               <a:tr h="190500">
                 <a:tc>
@@ -3891,6 +4015,11 @@
                   </a:txBody>
                   <a:tcPr marL="9525" marR="9525" marT="9525" marB="0" anchor="b"/>
                 </a:tc>
+                <a:extLst>
+                  <a:ext uri="{0D108BD9-81ED-4DB2-BD59-A6C34878D82A}">
+                    <a16:rowId xmlns:a16="http://schemas.microsoft.com/office/drawing/2014/main" val="10003"/>
+                  </a:ext>
+                </a:extLst>
               </a:tr>
             </a:tbl>
           </a:graphicData>
@@ -3915,8 +4044,20 @@
                 <a:tableStyleId>{21E4AEA4-8DFA-4A89-87EB-49C32662AFE0}</a:tableStyleId>
               </a:tblPr>
               <a:tblGrid>
-                <a:gridCol w="941341"/>
-                <a:gridCol w="887459"/>
+                <a:gridCol w="941341">
+                  <a:extLst>
+                    <a:ext uri="{9D8B030D-6E8A-4147-A177-3AD203B41FA5}">
+                      <a16:colId xmlns:a16="http://schemas.microsoft.com/office/drawing/2014/main" val="20000"/>
+                    </a:ext>
+                  </a:extLst>
+                </a:gridCol>
+                <a:gridCol w="887459">
+                  <a:extLst>
+                    <a:ext uri="{9D8B030D-6E8A-4147-A177-3AD203B41FA5}">
+                      <a16:colId xmlns:a16="http://schemas.microsoft.com/office/drawing/2014/main" val="20001"/>
+                    </a:ext>
+                  </a:extLst>
+                </a:gridCol>
               </a:tblGrid>
               <a:tr h="190500">
                 <a:tc gridSpan="2">
@@ -3949,8 +4090,20 @@
                   <a:tcPr marL="9525" marR="9525" marT="9525" marB="0" anchor="b"/>
                 </a:tc>
                 <a:tc hMerge="1">
-                  <a:tcPr marL="9525" marR="9525" marT="9525" marB="0" anchor="b"/>
-                </a:tc>
+                  <a:txBody>
+                    <a:bodyPr/>
+                    <a:lstStyle/>
+                    <a:p>
+                      <a:endParaRPr lang="pt-BR"/>
+                    </a:p>
+                  </a:txBody>
+                  <a:tcPr marL="9525" marR="9525" marT="9525" marB="0" anchor="b"/>
+                </a:tc>
+                <a:extLst>
+                  <a:ext uri="{0D108BD9-81ED-4DB2-BD59-A6C34878D82A}">
+                    <a16:rowId xmlns:a16="http://schemas.microsoft.com/office/drawing/2014/main" val="10000"/>
+                  </a:ext>
+                </a:extLst>
               </a:tr>
               <a:tr h="190500">
                 <a:tc>
@@ -3999,6 +4152,11 @@
                   </a:txBody>
                   <a:tcPr marL="9525" marR="9525" marT="9525" marB="0" anchor="b"/>
                 </a:tc>
+                <a:extLst>
+                  <a:ext uri="{0D108BD9-81ED-4DB2-BD59-A6C34878D82A}">
+                    <a16:rowId xmlns:a16="http://schemas.microsoft.com/office/drawing/2014/main" val="10001"/>
+                  </a:ext>
+                </a:extLst>
               </a:tr>
               <a:tr h="190500">
                 <a:tc>
@@ -4053,6 +4211,11 @@
                   </a:txBody>
                   <a:tcPr marL="9525" marR="9525" marT="9525" marB="0" anchor="b"/>
                 </a:tc>
+                <a:extLst>
+                  <a:ext uri="{0D108BD9-81ED-4DB2-BD59-A6C34878D82A}">
+                    <a16:rowId xmlns:a16="http://schemas.microsoft.com/office/drawing/2014/main" val="10002"/>
+                  </a:ext>
+                </a:extLst>
               </a:tr>
             </a:tbl>
           </a:graphicData>
@@ -4077,8 +4240,20 @@
                 <a:tableStyleId>{21E4AEA4-8DFA-4A89-87EB-49C32662AFE0}</a:tableStyleId>
               </a:tblPr>
               <a:tblGrid>
-                <a:gridCol w="942975"/>
-                <a:gridCol w="885825"/>
+                <a:gridCol w="942975">
+                  <a:extLst>
+                    <a:ext uri="{9D8B030D-6E8A-4147-A177-3AD203B41FA5}">
+                      <a16:colId xmlns:a16="http://schemas.microsoft.com/office/drawing/2014/main" val="20000"/>
+                    </a:ext>
+                  </a:extLst>
+                </a:gridCol>
+                <a:gridCol w="885825">
+                  <a:extLst>
+                    <a:ext uri="{9D8B030D-6E8A-4147-A177-3AD203B41FA5}">
+                      <a16:colId xmlns:a16="http://schemas.microsoft.com/office/drawing/2014/main" val="20001"/>
+                    </a:ext>
+                  </a:extLst>
+                </a:gridCol>
               </a:tblGrid>
               <a:tr h="190500">
                 <a:tc gridSpan="2">
@@ -4105,8 +4280,20 @@
                   <a:tcPr marL="9525" marR="9525" marT="9525" marB="0" anchor="b"/>
                 </a:tc>
                 <a:tc hMerge="1">
+                  <a:txBody>
+                    <a:bodyPr/>
+                    <a:lstStyle/>
+                    <a:p>
+                      <a:endParaRPr lang="pt-BR"/>
+                    </a:p>
+                  </a:txBody>
                   <a:tcPr/>
                 </a:tc>
+                <a:extLst>
+                  <a:ext uri="{0D108BD9-81ED-4DB2-BD59-A6C34878D82A}">
+                    <a16:rowId xmlns:a16="http://schemas.microsoft.com/office/drawing/2014/main" val="10000"/>
+                  </a:ext>
+                </a:extLst>
               </a:tr>
               <a:tr h="190500">
                 <a:tc>
@@ -4155,6 +4342,11 @@
                   </a:txBody>
                   <a:tcPr marL="9525" marR="9525" marT="9525" marB="0" anchor="b"/>
                 </a:tc>
+                <a:extLst>
+                  <a:ext uri="{0D108BD9-81ED-4DB2-BD59-A6C34878D82A}">
+                    <a16:rowId xmlns:a16="http://schemas.microsoft.com/office/drawing/2014/main" val="10001"/>
+                  </a:ext>
+                </a:extLst>
               </a:tr>
               <a:tr h="190500">
                 <a:tc>
@@ -4209,6 +4401,11 @@
                   </a:txBody>
                   <a:tcPr marL="9525" marR="9525" marT="9525" marB="0" anchor="b"/>
                 </a:tc>
+                <a:extLst>
+                  <a:ext uri="{0D108BD9-81ED-4DB2-BD59-A6C34878D82A}">
+                    <a16:rowId xmlns:a16="http://schemas.microsoft.com/office/drawing/2014/main" val="10002"/>
+                  </a:ext>
+                </a:extLst>
               </a:tr>
             </a:tbl>
           </a:graphicData>
@@ -4220,11 +4417,17 @@
           <p:cNvGraphicFramePr>
             <a:graphicFrameLocks noGrp="1"/>
           </p:cNvGraphicFramePr>
-          <p:nvPr/>
+          <p:nvPr>
+            <p:extLst>
+              <p:ext uri="{D42A27DB-BD31-4B8C-83A1-F6EECF244321}">
+                <p14:modId xmlns:p14="http://schemas.microsoft.com/office/powerpoint/2010/main" val="116106462"/>
+              </p:ext>
+            </p:extLst>
+          </p:nvPr>
         </p:nvGraphicFramePr>
         <p:xfrm>
-          <a:off x="7033630" y="1915142"/>
-          <a:ext cx="1803400" cy="2286000"/>
+          <a:off x="7028794" y="1899267"/>
+          <a:ext cx="1803400" cy="2272665"/>
         </p:xfrm>
         <a:graphic>
           <a:graphicData uri="http://schemas.openxmlformats.org/drawingml/2006/table">
@@ -4233,8 +4436,20 @@
                 <a:tableStyleId>{21E4AEA4-8DFA-4A89-87EB-49C32662AFE0}</a:tableStyleId>
               </a:tblPr>
               <a:tblGrid>
-                <a:gridCol w="1091532"/>
-                <a:gridCol w="711868"/>
+                <a:gridCol w="1091532">
+                  <a:extLst>
+                    <a:ext uri="{9D8B030D-6E8A-4147-A177-3AD203B41FA5}">
+                      <a16:colId xmlns:a16="http://schemas.microsoft.com/office/drawing/2014/main" val="20000"/>
+                    </a:ext>
+                  </a:extLst>
+                </a:gridCol>
+                <a:gridCol w="711868">
+                  <a:extLst>
+                    <a:ext uri="{9D8B030D-6E8A-4147-A177-3AD203B41FA5}">
+                      <a16:colId xmlns:a16="http://schemas.microsoft.com/office/drawing/2014/main" val="20001"/>
+                    </a:ext>
+                  </a:extLst>
+                </a:gridCol>
               </a:tblGrid>
               <a:tr h="190500">
                 <a:tc gridSpan="2">
@@ -4261,8 +4476,20 @@
                   <a:tcPr marL="9525" marR="9525" marT="9525" marB="0" anchor="b"/>
                 </a:tc>
                 <a:tc hMerge="1">
+                  <a:txBody>
+                    <a:bodyPr/>
+                    <a:lstStyle/>
+                    <a:p>
+                      <a:endParaRPr lang="pt-BR"/>
+                    </a:p>
+                  </a:txBody>
                   <a:tcPr/>
                 </a:tc>
+                <a:extLst>
+                  <a:ext uri="{0D108BD9-81ED-4DB2-BD59-A6C34878D82A}">
+                    <a16:rowId xmlns:a16="http://schemas.microsoft.com/office/drawing/2014/main" val="10000"/>
+                  </a:ext>
+                </a:extLst>
               </a:tr>
               <a:tr h="190500">
                 <a:tc>
@@ -4311,6 +4538,11 @@
                   </a:txBody>
                   <a:tcPr marL="9525" marR="9525" marT="9525" marB="0" anchor="b"/>
                 </a:tc>
+                <a:extLst>
+                  <a:ext uri="{0D108BD9-81ED-4DB2-BD59-A6C34878D82A}">
+                    <a16:rowId xmlns:a16="http://schemas.microsoft.com/office/drawing/2014/main" val="10001"/>
+                  </a:ext>
+                </a:extLst>
               </a:tr>
               <a:tr h="190500">
                 <a:tc>
@@ -4320,10 +4552,33 @@
                     <a:p>
                       <a:pPr algn="l" fontAlgn="b"/>
                       <a:r>
+                        <a:rPr lang="pt-BR" sz="1100" u="none" strike="noStrike" dirty="0">
+                          <a:effectLst/>
+                        </a:rPr>
+                        <a:t>Data</a:t>
+                      </a:r>
+                      <a:endParaRPr lang="pt-BR" sz="1100" b="0" i="0" u="none" strike="noStrike" dirty="0">
+                        <a:solidFill>
+                          <a:srgbClr val="000000"/>
+                        </a:solidFill>
+                        <a:effectLst/>
+                        <a:latin typeface="Calibri" panose="020F0502020204030204" pitchFamily="34" charset="0"/>
+                      </a:endParaRPr>
+                    </a:p>
+                  </a:txBody>
+                  <a:tcPr marL="9525" marR="9525" marT="9525" marB="0" anchor="b"/>
+                </a:tc>
+                <a:tc>
+                  <a:txBody>
+                    <a:bodyPr/>
+                    <a:lstStyle/>
+                    <a:p>
+                      <a:pPr algn="l" fontAlgn="b"/>
+                      <a:r>
                         <a:rPr lang="pt-BR" sz="1100" u="none" strike="noStrike">
                           <a:effectLst/>
                         </a:rPr>
-                        <a:t>Data</a:t>
+                        <a:t>datetime</a:t>
                       </a:r>
                       <a:endParaRPr lang="pt-BR" sz="1100" b="0" i="0" u="none" strike="noStrike">
                         <a:solidFill>
@@ -4336,29 +4591,11 @@
                   </a:txBody>
                   <a:tcPr marL="9525" marR="9525" marT="9525" marB="0" anchor="b"/>
                 </a:tc>
-                <a:tc>
-                  <a:txBody>
-                    <a:bodyPr/>
-                    <a:lstStyle/>
-                    <a:p>
-                      <a:pPr algn="l" fontAlgn="b"/>
-                      <a:r>
-                        <a:rPr lang="pt-BR" sz="1100" u="none" strike="noStrike">
-                          <a:effectLst/>
-                        </a:rPr>
-                        <a:t>datetime</a:t>
-                      </a:r>
-                      <a:endParaRPr lang="pt-BR" sz="1100" b="0" i="0" u="none" strike="noStrike">
-                        <a:solidFill>
-                          <a:srgbClr val="000000"/>
-                        </a:solidFill>
-                        <a:effectLst/>
-                        <a:latin typeface="Calibri" panose="020F0502020204030204" pitchFamily="34" charset="0"/>
-                      </a:endParaRPr>
-                    </a:p>
-                  </a:txBody>
-                  <a:tcPr marL="9525" marR="9525" marT="9525" marB="0" anchor="b"/>
-                </a:tc>
+                <a:extLst>
+                  <a:ext uri="{0D108BD9-81ED-4DB2-BD59-A6C34878D82A}">
+                    <a16:rowId xmlns:a16="http://schemas.microsoft.com/office/drawing/2014/main" val="10002"/>
+                  </a:ext>
+                </a:extLst>
               </a:tr>
               <a:tr h="190500">
                 <a:tc>
@@ -4407,6 +4644,11 @@
                   </a:txBody>
                   <a:tcPr marL="9525" marR="9525" marT="9525" marB="0" anchor="b"/>
                 </a:tc>
+                <a:extLst>
+                  <a:ext uri="{0D108BD9-81ED-4DB2-BD59-A6C34878D82A}">
+                    <a16:rowId xmlns:a16="http://schemas.microsoft.com/office/drawing/2014/main" val="10003"/>
+                  </a:ext>
+                </a:extLst>
               </a:tr>
               <a:tr h="190500">
                 <a:tc>
@@ -4455,6 +4697,11 @@
                   </a:txBody>
                   <a:tcPr marL="9525" marR="9525" marT="9525" marB="0" anchor="b"/>
                 </a:tc>
+                <a:extLst>
+                  <a:ext uri="{0D108BD9-81ED-4DB2-BD59-A6C34878D82A}">
+                    <a16:rowId xmlns:a16="http://schemas.microsoft.com/office/drawing/2014/main" val="10004"/>
+                  </a:ext>
+                </a:extLst>
               </a:tr>
               <a:tr h="190500">
                 <a:tc>
@@ -4503,6 +4750,64 @@
                   </a:txBody>
                   <a:tcPr marL="9525" marR="9525" marT="9525" marB="0" anchor="b"/>
                 </a:tc>
+                <a:extLst>
+                  <a:ext uri="{0D108BD9-81ED-4DB2-BD59-A6C34878D82A}">
+                    <a16:rowId xmlns:a16="http://schemas.microsoft.com/office/drawing/2014/main" val="10005"/>
+                  </a:ext>
+                </a:extLst>
+              </a:tr>
+              <a:tr h="163523">
+                <a:tc>
+                  <a:txBody>
+                    <a:bodyPr/>
+                    <a:lstStyle/>
+                    <a:p>
+                      <a:pPr algn="l" fontAlgn="b"/>
+                      <a:r>
+                        <a:rPr lang="pt-BR" sz="1100" u="none" strike="noStrike">
+                          <a:effectLst/>
+                        </a:rPr>
+                        <a:t>Volumes</a:t>
+                      </a:r>
+                      <a:endParaRPr lang="pt-BR" sz="1100" b="0" i="0" u="none" strike="noStrike">
+                        <a:solidFill>
+                          <a:srgbClr val="000000"/>
+                        </a:solidFill>
+                        <a:effectLst/>
+                        <a:latin typeface="Calibri" panose="020F0502020204030204" pitchFamily="34" charset="0"/>
+                      </a:endParaRPr>
+                    </a:p>
+                  </a:txBody>
+                  <a:tcPr marL="9525" marR="9525" marT="9525" marB="0" anchor="b"/>
+                </a:tc>
+                <a:tc>
+                  <a:txBody>
+                    <a:bodyPr/>
+                    <a:lstStyle/>
+                    <a:p>
+                      <a:pPr algn="l" fontAlgn="b"/>
+                      <a:r>
+                        <a:rPr lang="pt-BR" sz="1100" u="none" strike="noStrike">
+                          <a:effectLst/>
+                        </a:rPr>
+                        <a:t>int</a:t>
+                      </a:r>
+                      <a:endParaRPr lang="pt-BR" sz="1100" b="0" i="0" u="none" strike="noStrike">
+                        <a:solidFill>
+                          <a:srgbClr val="000000"/>
+                        </a:solidFill>
+                        <a:effectLst/>
+                        <a:latin typeface="Calibri" panose="020F0502020204030204" pitchFamily="34" charset="0"/>
+                      </a:endParaRPr>
+                    </a:p>
+                  </a:txBody>
+                  <a:tcPr marL="9525" marR="9525" marT="9525" marB="0" anchor="b"/>
+                </a:tc>
+                <a:extLst>
+                  <a:ext uri="{0D108BD9-81ED-4DB2-BD59-A6C34878D82A}">
+                    <a16:rowId xmlns:a16="http://schemas.microsoft.com/office/drawing/2014/main" val="10006"/>
+                  </a:ext>
+                </a:extLst>
               </a:tr>
               <a:tr h="190500">
                 <a:tc>
@@ -4512,45 +4817,50 @@
                     <a:p>
                       <a:pPr algn="l" fontAlgn="b"/>
                       <a:r>
-                        <a:rPr lang="pt-BR" sz="1100" u="none" strike="noStrike">
-                          <a:effectLst/>
-                        </a:rPr>
-                        <a:t>Volumes</a:t>
-                      </a:r>
-                      <a:endParaRPr lang="pt-BR" sz="1100" b="0" i="0" u="none" strike="noStrike">
-                        <a:solidFill>
-                          <a:srgbClr val="000000"/>
-                        </a:solidFill>
-                        <a:effectLst/>
-                        <a:latin typeface="Calibri" panose="020F0502020204030204" pitchFamily="34" charset="0"/>
-                      </a:endParaRPr>
-                    </a:p>
-                  </a:txBody>
-                  <a:tcPr marL="9525" marR="9525" marT="9525" marB="0" anchor="b"/>
-                </a:tc>
-                <a:tc>
-                  <a:txBody>
-                    <a:bodyPr/>
-                    <a:lstStyle/>
-                    <a:p>
-                      <a:pPr algn="l" fontAlgn="b"/>
-                      <a:r>
-                        <a:rPr lang="pt-BR" sz="1100" u="none" strike="noStrike">
+                        <a:rPr lang="pt-BR" sz="1100" u="none" strike="noStrike" dirty="0">
+                          <a:effectLst/>
+                        </a:rPr>
+                        <a:t>Usuário</a:t>
+                      </a:r>
+                      <a:endParaRPr lang="pt-BR" sz="1100" b="1" i="0" u="none" strike="noStrike" dirty="0">
+                        <a:solidFill>
+                          <a:srgbClr val="FFFFFF"/>
+                        </a:solidFill>
+                        <a:effectLst/>
+                        <a:latin typeface="Calibri" panose="020F0502020204030204" pitchFamily="34" charset="0"/>
+                      </a:endParaRPr>
+                    </a:p>
+                  </a:txBody>
+                  <a:tcPr marL="9525" marR="9525" marT="9525" marB="0" anchor="b"/>
+                </a:tc>
+                <a:tc>
+                  <a:txBody>
+                    <a:bodyPr/>
+                    <a:lstStyle/>
+                    <a:p>
+                      <a:pPr algn="l" fontAlgn="b"/>
+                      <a:r>
+                        <a:rPr lang="pt-BR" sz="1100" u="none" strike="noStrike" dirty="0" err="1">
                           <a:effectLst/>
                         </a:rPr>
                         <a:t>int</a:t>
                       </a:r>
-                      <a:endParaRPr lang="pt-BR" sz="1100" b="0" i="0" u="none" strike="noStrike">
-                        <a:solidFill>
-                          <a:srgbClr val="000000"/>
-                        </a:solidFill>
-                        <a:effectLst/>
-                        <a:latin typeface="Calibri" panose="020F0502020204030204" pitchFamily="34" charset="0"/>
-                      </a:endParaRPr>
-                    </a:p>
-                  </a:txBody>
-                  <a:tcPr marL="9525" marR="9525" marT="9525" marB="0" anchor="b"/>
-                </a:tc>
+                      <a:endParaRPr lang="pt-BR" sz="1100" b="0" i="0" u="none" strike="noStrike" dirty="0">
+                        <a:solidFill>
+                          <a:srgbClr val="000000"/>
+                        </a:solidFill>
+                        <a:effectLst/>
+                        <a:latin typeface="Calibri" panose="020F0502020204030204" pitchFamily="34" charset="0"/>
+                      </a:endParaRPr>
+                    </a:p>
+                  </a:txBody>
+                  <a:tcPr marL="9525" marR="9525" marT="9525" marB="0" anchor="b"/>
+                </a:tc>
+                <a:extLst>
+                  <a:ext uri="{0D108BD9-81ED-4DB2-BD59-A6C34878D82A}">
+                    <a16:rowId xmlns:a16="http://schemas.microsoft.com/office/drawing/2014/main" val="10007"/>
+                  </a:ext>
+                </a:extLst>
               </a:tr>
               <a:tr h="190500">
                 <a:tc>
@@ -4560,45 +4870,56 @@
                     <a:p>
                       <a:pPr algn="l" fontAlgn="b"/>
                       <a:r>
-                        <a:rPr lang="pt-BR" sz="1100" u="none" strike="noStrike">
-                          <a:effectLst/>
-                        </a:rPr>
-                        <a:t>Usuário</a:t>
-                      </a:r>
-                      <a:endParaRPr lang="pt-BR" sz="1100" b="1" i="0" u="none" strike="noStrike">
-                        <a:solidFill>
-                          <a:srgbClr val="FFFFFF"/>
-                        </a:solidFill>
-                        <a:effectLst/>
-                        <a:latin typeface="Calibri" panose="020F0502020204030204" pitchFamily="34" charset="0"/>
-                      </a:endParaRPr>
-                    </a:p>
-                  </a:txBody>
-                  <a:tcPr marL="9525" marR="9525" marT="9525" marB="0" anchor="b"/>
-                </a:tc>
-                <a:tc>
-                  <a:txBody>
-                    <a:bodyPr/>
-                    <a:lstStyle/>
-                    <a:p>
-                      <a:pPr algn="l" fontAlgn="b"/>
-                      <a:r>
-                        <a:rPr lang="pt-BR" sz="1100" u="none" strike="noStrike">
+                        <a:rPr lang="pt-BR" sz="1100" u="none" strike="noStrike" dirty="0">
+                          <a:effectLst/>
+                        </a:rPr>
+                        <a:t>Tipos </a:t>
+                      </a:r>
+                      <a:r>
+                        <a:rPr lang="pt-BR" sz="1100" u="none" strike="noStrike" dirty="0" err="1">
+                          <a:effectLst/>
+                        </a:rPr>
+                        <a:t>cobranca</a:t>
+                      </a:r>
+                      <a:endParaRPr lang="pt-BR" sz="1100" b="1" i="0" u="none" strike="noStrike" dirty="0">
+                        <a:solidFill>
+                          <a:srgbClr val="000000"/>
+                        </a:solidFill>
+                        <a:effectLst/>
+                        <a:latin typeface="Calibri" panose="020F0502020204030204" pitchFamily="34" charset="0"/>
+                      </a:endParaRPr>
+                    </a:p>
+                  </a:txBody>
+                  <a:tcPr marL="9525" marR="9525" marT="9525" marB="0" anchor="b"/>
+                </a:tc>
+                <a:tc>
+                  <a:txBody>
+                    <a:bodyPr/>
+                    <a:lstStyle/>
+                    <a:p>
+                      <a:pPr algn="l" fontAlgn="b"/>
+                      <a:r>
+                        <a:rPr lang="pt-BR" sz="1100" u="none" strike="noStrike" dirty="0" err="1">
                           <a:effectLst/>
                         </a:rPr>
                         <a:t>int</a:t>
                       </a:r>
-                      <a:endParaRPr lang="pt-BR" sz="1100" b="0" i="0" u="none" strike="noStrike">
-                        <a:solidFill>
-                          <a:srgbClr val="000000"/>
-                        </a:solidFill>
-                        <a:effectLst/>
-                        <a:latin typeface="Calibri" panose="020F0502020204030204" pitchFamily="34" charset="0"/>
-                      </a:endParaRPr>
-                    </a:p>
-                  </a:txBody>
-                  <a:tcPr marL="9525" marR="9525" marT="9525" marB="0" anchor="b"/>
-                </a:tc>
+                      <a:endParaRPr lang="pt-BR" sz="1100" b="0" i="0" u="none" strike="noStrike" dirty="0">
+                        <a:solidFill>
+                          <a:srgbClr val="000000"/>
+                        </a:solidFill>
+                        <a:effectLst/>
+                        <a:latin typeface="Calibri" panose="020F0502020204030204" pitchFamily="34" charset="0"/>
+                      </a:endParaRPr>
+                    </a:p>
+                  </a:txBody>
+                  <a:tcPr marL="9525" marR="9525" marT="9525" marB="0" anchor="b"/>
+                </a:tc>
+                <a:extLst>
+                  <a:ext uri="{0D108BD9-81ED-4DB2-BD59-A6C34878D82A}">
+                    <a16:rowId xmlns:a16="http://schemas.microsoft.com/office/drawing/2014/main" val="10008"/>
+                  </a:ext>
+                </a:extLst>
               </a:tr>
               <a:tr h="190500">
                 <a:tc>
@@ -4611,42 +4932,47 @@
                         <a:rPr lang="pt-BR" sz="1100" u="none" strike="noStrike">
                           <a:effectLst/>
                         </a:rPr>
-                        <a:t>Tipos cobranca</a:t>
+                        <a:t>Cliente</a:t>
                       </a:r>
                       <a:endParaRPr lang="pt-BR" sz="1100" b="1" i="0" u="none" strike="noStrike">
                         <a:solidFill>
-                          <a:srgbClr val="000000"/>
-                        </a:solidFill>
-                        <a:effectLst/>
-                        <a:latin typeface="Calibri" panose="020F0502020204030204" pitchFamily="34" charset="0"/>
-                      </a:endParaRPr>
-                    </a:p>
-                  </a:txBody>
-                  <a:tcPr marL="9525" marR="9525" marT="9525" marB="0" anchor="b"/>
-                </a:tc>
-                <a:tc>
-                  <a:txBody>
-                    <a:bodyPr/>
-                    <a:lstStyle/>
-                    <a:p>
-                      <a:pPr algn="l" fontAlgn="b"/>
-                      <a:r>
-                        <a:rPr lang="pt-BR" sz="1100" u="none" strike="noStrike">
+                          <a:srgbClr val="FFFFFF"/>
+                        </a:solidFill>
+                        <a:effectLst/>
+                        <a:latin typeface="Calibri" panose="020F0502020204030204" pitchFamily="34" charset="0"/>
+                      </a:endParaRPr>
+                    </a:p>
+                  </a:txBody>
+                  <a:tcPr marL="9525" marR="9525" marT="9525" marB="0" anchor="b"/>
+                </a:tc>
+                <a:tc>
+                  <a:txBody>
+                    <a:bodyPr/>
+                    <a:lstStyle/>
+                    <a:p>
+                      <a:pPr algn="l" fontAlgn="b"/>
+                      <a:r>
+                        <a:rPr lang="pt-BR" sz="1100" u="none" strike="noStrike" dirty="0" err="1">
                           <a:effectLst/>
                         </a:rPr>
                         <a:t>int</a:t>
                       </a:r>
-                      <a:endParaRPr lang="pt-BR" sz="1100" b="0" i="0" u="none" strike="noStrike">
-                        <a:solidFill>
-                          <a:srgbClr val="000000"/>
-                        </a:solidFill>
-                        <a:effectLst/>
-                        <a:latin typeface="Calibri" panose="020F0502020204030204" pitchFamily="34" charset="0"/>
-                      </a:endParaRPr>
-                    </a:p>
-                  </a:txBody>
-                  <a:tcPr marL="9525" marR="9525" marT="9525" marB="0" anchor="b"/>
-                </a:tc>
+                      <a:endParaRPr lang="pt-BR" sz="1100" b="0" i="0" u="none" strike="noStrike" dirty="0">
+                        <a:solidFill>
+                          <a:srgbClr val="000000"/>
+                        </a:solidFill>
+                        <a:effectLst/>
+                        <a:latin typeface="Calibri" panose="020F0502020204030204" pitchFamily="34" charset="0"/>
+                      </a:endParaRPr>
+                    </a:p>
+                  </a:txBody>
+                  <a:tcPr marL="9525" marR="9525" marT="9525" marB="0" anchor="b"/>
+                </a:tc>
+                <a:extLst>
+                  <a:ext uri="{0D108BD9-81ED-4DB2-BD59-A6C34878D82A}">
+                    <a16:rowId xmlns:a16="http://schemas.microsoft.com/office/drawing/2014/main" val="10009"/>
+                  </a:ext>
+                </a:extLst>
               </a:tr>
               <a:tr h="190500">
                 <a:tc>
@@ -4656,32 +4982,32 @@
                     <a:p>
                       <a:pPr algn="l" fontAlgn="b"/>
                       <a:r>
+                        <a:rPr lang="pt-BR" sz="1100" u="none" strike="noStrike" dirty="0">
+                          <a:effectLst/>
+                        </a:rPr>
+                        <a:t>Filial</a:t>
+                      </a:r>
+                      <a:endParaRPr lang="pt-BR" sz="1100" b="0" i="0" u="none" strike="noStrike" dirty="0">
+                        <a:solidFill>
+                          <a:srgbClr val="000000"/>
+                        </a:solidFill>
+                        <a:effectLst/>
+                        <a:latin typeface="Calibri" panose="020F0502020204030204" pitchFamily="34" charset="0"/>
+                      </a:endParaRPr>
+                    </a:p>
+                  </a:txBody>
+                  <a:tcPr marL="9525" marR="9525" marT="9525" marB="0" anchor="b"/>
+                </a:tc>
+                <a:tc>
+                  <a:txBody>
+                    <a:bodyPr/>
+                    <a:lstStyle/>
+                    <a:p>
+                      <a:pPr algn="l" fontAlgn="b"/>
+                      <a:r>
                         <a:rPr lang="pt-BR" sz="1100" u="none" strike="noStrike">
                           <a:effectLst/>
                         </a:rPr>
-                        <a:t>Cliente</a:t>
-                      </a:r>
-                      <a:endParaRPr lang="pt-BR" sz="1100" b="1" i="0" u="none" strike="noStrike">
-                        <a:solidFill>
-                          <a:srgbClr val="FFFFFF"/>
-                        </a:solidFill>
-                        <a:effectLst/>
-                        <a:latin typeface="Calibri" panose="020F0502020204030204" pitchFamily="34" charset="0"/>
-                      </a:endParaRPr>
-                    </a:p>
-                  </a:txBody>
-                  <a:tcPr marL="9525" marR="9525" marT="9525" marB="0" anchor="b"/>
-                </a:tc>
-                <a:tc>
-                  <a:txBody>
-                    <a:bodyPr/>
-                    <a:lstStyle/>
-                    <a:p>
-                      <a:pPr algn="l" fontAlgn="b"/>
-                      <a:r>
-                        <a:rPr lang="pt-BR" sz="1100" u="none" strike="noStrike">
-                          <a:effectLst/>
-                        </a:rPr>
                         <a:t>int</a:t>
                       </a:r>
                       <a:endParaRPr lang="pt-BR" sz="1100" b="0" i="0" u="none" strike="noStrike">
@@ -4695,6 +5021,11 @@
                   </a:txBody>
                   <a:tcPr marL="9525" marR="9525" marT="9525" marB="0" anchor="b"/>
                 </a:tc>
+                <a:extLst>
+                  <a:ext uri="{0D108BD9-81ED-4DB2-BD59-A6C34878D82A}">
+                    <a16:rowId xmlns:a16="http://schemas.microsoft.com/office/drawing/2014/main" val="10010"/>
+                  </a:ext>
+                </a:extLst>
               </a:tr>
               <a:tr h="190500">
                 <a:tc>
@@ -4707,7 +5038,30 @@
                         <a:rPr lang="pt-BR" sz="1100" u="none" strike="noStrike" dirty="0">
                           <a:effectLst/>
                         </a:rPr>
-                        <a:t>Filial</a:t>
+                        <a:t>Fechamento</a:t>
+                      </a:r>
+                      <a:endParaRPr lang="pt-BR" sz="1100" b="1" i="0" u="none" strike="noStrike" dirty="0">
+                        <a:solidFill>
+                          <a:srgbClr val="000000"/>
+                        </a:solidFill>
+                        <a:effectLst/>
+                        <a:latin typeface="Calibri" panose="020F0502020204030204" pitchFamily="34" charset="0"/>
+                      </a:endParaRPr>
+                    </a:p>
+                  </a:txBody>
+                  <a:tcPr marL="9525" marR="9525" marT="9525" marB="0" anchor="b"/>
+                </a:tc>
+                <a:tc>
+                  <a:txBody>
+                    <a:bodyPr/>
+                    <a:lstStyle/>
+                    <a:p>
+                      <a:pPr algn="l" fontAlgn="b"/>
+                      <a:r>
+                        <a:rPr lang="pt-BR" sz="1100" u="none" strike="noStrike" dirty="0" err="1">
+                          <a:effectLst/>
+                        </a:rPr>
+                        <a:t>int</a:t>
                       </a:r>
                       <a:endParaRPr lang="pt-BR" sz="1100" b="0" i="0" u="none" strike="noStrike" dirty="0">
                         <a:solidFill>
@@ -4720,77 +5074,11 @@
                   </a:txBody>
                   <a:tcPr marL="9525" marR="9525" marT="9525" marB="0" anchor="b"/>
                 </a:tc>
-                <a:tc>
-                  <a:txBody>
-                    <a:bodyPr/>
-                    <a:lstStyle/>
-                    <a:p>
-                      <a:pPr algn="l" fontAlgn="b"/>
-                      <a:r>
-                        <a:rPr lang="pt-BR" sz="1100" u="none" strike="noStrike">
-                          <a:effectLst/>
-                        </a:rPr>
-                        <a:t>int</a:t>
-                      </a:r>
-                      <a:endParaRPr lang="pt-BR" sz="1100" b="0" i="0" u="none" strike="noStrike">
-                        <a:solidFill>
-                          <a:srgbClr val="000000"/>
-                        </a:solidFill>
-                        <a:effectLst/>
-                        <a:latin typeface="Calibri" panose="020F0502020204030204" pitchFamily="34" charset="0"/>
-                      </a:endParaRPr>
-                    </a:p>
-                  </a:txBody>
-                  <a:tcPr marL="9525" marR="9525" marT="9525" marB="0" anchor="b"/>
-                </a:tc>
-              </a:tr>
-              <a:tr h="190500">
-                <a:tc>
-                  <a:txBody>
-                    <a:bodyPr/>
-                    <a:lstStyle/>
-                    <a:p>
-                      <a:pPr algn="l" fontAlgn="b"/>
-                      <a:r>
-                        <a:rPr lang="pt-BR" sz="1100" u="none" strike="noStrike" dirty="0">
-                          <a:effectLst/>
-                        </a:rPr>
-                        <a:t>Fechamento</a:t>
-                      </a:r>
-                      <a:endParaRPr lang="pt-BR" sz="1100" b="1" i="0" u="none" strike="noStrike" dirty="0">
-                        <a:solidFill>
-                          <a:srgbClr val="000000"/>
-                        </a:solidFill>
-                        <a:effectLst/>
-                        <a:latin typeface="Calibri" panose="020F0502020204030204" pitchFamily="34" charset="0"/>
-                      </a:endParaRPr>
-                    </a:p>
-                  </a:txBody>
-                  <a:tcPr marL="9525" marR="9525" marT="9525" marB="0" anchor="b"/>
-                </a:tc>
-                <a:tc>
-                  <a:txBody>
-                    <a:bodyPr/>
-                    <a:lstStyle/>
-                    <a:p>
-                      <a:pPr algn="l" fontAlgn="b"/>
-                      <a:r>
-                        <a:rPr lang="pt-BR" sz="1100" u="none" strike="noStrike" dirty="0" err="1">
-                          <a:effectLst/>
-                        </a:rPr>
-                        <a:t>int</a:t>
-                      </a:r>
-                      <a:endParaRPr lang="pt-BR" sz="1100" b="0" i="0" u="none" strike="noStrike" dirty="0">
-                        <a:solidFill>
-                          <a:srgbClr val="000000"/>
-                        </a:solidFill>
-                        <a:effectLst/>
-                        <a:latin typeface="Calibri" panose="020F0502020204030204" pitchFamily="34" charset="0"/>
-                      </a:endParaRPr>
-                    </a:p>
-                  </a:txBody>
-                  <a:tcPr marL="9525" marR="9525" marT="9525" marB="0" anchor="b"/>
-                </a:tc>
+                <a:extLst>
+                  <a:ext uri="{0D108BD9-81ED-4DB2-BD59-A6C34878D82A}">
+                    <a16:rowId xmlns:a16="http://schemas.microsoft.com/office/drawing/2014/main" val="10011"/>
+                  </a:ext>
+                </a:extLst>
               </a:tr>
             </a:tbl>
           </a:graphicData>
@@ -4802,7 +5090,13 @@
           <p:cNvGraphicFramePr>
             <a:graphicFrameLocks noGrp="1"/>
           </p:cNvGraphicFramePr>
-          <p:nvPr/>
+          <p:nvPr>
+            <p:extLst>
+              <p:ext uri="{D42A27DB-BD31-4B8C-83A1-F6EECF244321}">
+                <p14:modId xmlns:p14="http://schemas.microsoft.com/office/powerpoint/2010/main" val="698126798"/>
+              </p:ext>
+            </p:extLst>
+          </p:nvPr>
         </p:nvGraphicFramePr>
         <p:xfrm>
           <a:off x="9280204" y="1920703"/>
@@ -4812,11 +5106,23 @@
           <a:graphicData uri="http://schemas.openxmlformats.org/drawingml/2006/table">
             <a:tbl>
               <a:tblPr>
-                <a:tableStyleId>{5C22544A-7EE6-4342-B048-85BDC9FD1C3A}</a:tableStyleId>
+                <a:tableStyleId>{21E4AEA4-8DFA-4A89-87EB-49C32662AFE0}</a:tableStyleId>
               </a:tblPr>
               <a:tblGrid>
-                <a:gridCol w="1204595"/>
-                <a:gridCol w="611505"/>
+                <a:gridCol w="1204595">
+                  <a:extLst>
+                    <a:ext uri="{9D8B030D-6E8A-4147-A177-3AD203B41FA5}">
+                      <a16:colId xmlns:a16="http://schemas.microsoft.com/office/drawing/2014/main" val="20000"/>
+                    </a:ext>
+                  </a:extLst>
+                </a:gridCol>
+                <a:gridCol w="611505">
+                  <a:extLst>
+                    <a:ext uri="{9D8B030D-6E8A-4147-A177-3AD203B41FA5}">
+                      <a16:colId xmlns:a16="http://schemas.microsoft.com/office/drawing/2014/main" val="20001"/>
+                    </a:ext>
+                  </a:extLst>
+                </a:gridCol>
               </a:tblGrid>
               <a:tr h="190500">
                 <a:tc gridSpan="2">
@@ -4843,8 +5149,20 @@
                   <a:tcPr marL="9525" marR="9525" marT="9525" marB="0" anchor="b"/>
                 </a:tc>
                 <a:tc hMerge="1">
+                  <a:txBody>
+                    <a:bodyPr/>
+                    <a:lstStyle/>
+                    <a:p>
+                      <a:endParaRPr lang="pt-BR"/>
+                    </a:p>
+                  </a:txBody>
                   <a:tcPr/>
                 </a:tc>
+                <a:extLst>
+                  <a:ext uri="{0D108BD9-81ED-4DB2-BD59-A6C34878D82A}">
+                    <a16:rowId xmlns:a16="http://schemas.microsoft.com/office/drawing/2014/main" val="10000"/>
+                  </a:ext>
+                </a:extLst>
               </a:tr>
               <a:tr h="190500">
                 <a:tc>
@@ -4893,6 +5211,11 @@
                   </a:txBody>
                   <a:tcPr marL="9525" marR="9525" marT="9525" marB="0" anchor="b"/>
                 </a:tc>
+                <a:extLst>
+                  <a:ext uri="{0D108BD9-81ED-4DB2-BD59-A6C34878D82A}">
+                    <a16:rowId xmlns:a16="http://schemas.microsoft.com/office/drawing/2014/main" val="10001"/>
+                  </a:ext>
+                </a:extLst>
               </a:tr>
               <a:tr h="190500">
                 <a:tc>
@@ -4941,6 +5264,11 @@
                   </a:txBody>
                   <a:tcPr marL="9525" marR="9525" marT="9525" marB="0" anchor="b"/>
                 </a:tc>
+                <a:extLst>
+                  <a:ext uri="{0D108BD9-81ED-4DB2-BD59-A6C34878D82A}">
+                    <a16:rowId xmlns:a16="http://schemas.microsoft.com/office/drawing/2014/main" val="10002"/>
+                  </a:ext>
+                </a:extLst>
               </a:tr>
               <a:tr h="190500">
                 <a:tc>
@@ -4989,6 +5317,11 @@
                   </a:txBody>
                   <a:tcPr marL="9525" marR="9525" marT="9525" marB="0" anchor="b"/>
                 </a:tc>
+                <a:extLst>
+                  <a:ext uri="{0D108BD9-81ED-4DB2-BD59-A6C34878D82A}">
+                    <a16:rowId xmlns:a16="http://schemas.microsoft.com/office/drawing/2014/main" val="10003"/>
+                  </a:ext>
+                </a:extLst>
               </a:tr>
               <a:tr h="190500">
                 <a:tc>
@@ -4998,10 +5331,33 @@
                     <a:p>
                       <a:pPr algn="l" fontAlgn="b"/>
                       <a:r>
+                        <a:rPr lang="pt-BR" sz="1100" u="none" strike="noStrike" dirty="0">
+                          <a:effectLst/>
+                        </a:rPr>
+                        <a:t>Motorista</a:t>
+                      </a:r>
+                      <a:endParaRPr lang="pt-BR" sz="1100" b="0" i="0" u="none" strike="noStrike" dirty="0">
+                        <a:solidFill>
+                          <a:srgbClr val="000000"/>
+                        </a:solidFill>
+                        <a:effectLst/>
+                        <a:latin typeface="Calibri" panose="020F0502020204030204" pitchFamily="34" charset="0"/>
+                      </a:endParaRPr>
+                    </a:p>
+                  </a:txBody>
+                  <a:tcPr marL="9525" marR="9525" marT="9525" marB="0" anchor="b"/>
+                </a:tc>
+                <a:tc>
+                  <a:txBody>
+                    <a:bodyPr/>
+                    <a:lstStyle/>
+                    <a:p>
+                      <a:pPr algn="l" fontAlgn="b"/>
+                      <a:r>
                         <a:rPr lang="pt-BR" sz="1100" u="none" strike="noStrike">
                           <a:effectLst/>
                         </a:rPr>
-                        <a:t>Motorista</a:t>
+                        <a:t>string, 40</a:t>
                       </a:r>
                       <a:endParaRPr lang="pt-BR" sz="1100" b="0" i="0" u="none" strike="noStrike">
                         <a:solidFill>
@@ -5014,29 +5370,11 @@
                   </a:txBody>
                   <a:tcPr marL="9525" marR="9525" marT="9525" marB="0" anchor="b"/>
                 </a:tc>
-                <a:tc>
-                  <a:txBody>
-                    <a:bodyPr/>
-                    <a:lstStyle/>
-                    <a:p>
-                      <a:pPr algn="l" fontAlgn="b"/>
-                      <a:r>
-                        <a:rPr lang="pt-BR" sz="1100" u="none" strike="noStrike">
-                          <a:effectLst/>
-                        </a:rPr>
-                        <a:t>string, 40</a:t>
-                      </a:r>
-                      <a:endParaRPr lang="pt-BR" sz="1100" b="0" i="0" u="none" strike="noStrike">
-                        <a:solidFill>
-                          <a:srgbClr val="000000"/>
-                        </a:solidFill>
-                        <a:effectLst/>
-                        <a:latin typeface="Calibri" panose="020F0502020204030204" pitchFamily="34" charset="0"/>
-                      </a:endParaRPr>
-                    </a:p>
-                  </a:txBody>
-                  <a:tcPr marL="9525" marR="9525" marT="9525" marB="0" anchor="b"/>
-                </a:tc>
+                <a:extLst>
+                  <a:ext uri="{0D108BD9-81ED-4DB2-BD59-A6C34878D82A}">
+                    <a16:rowId xmlns:a16="http://schemas.microsoft.com/office/drawing/2014/main" val="10004"/>
+                  </a:ext>
+                </a:extLst>
               </a:tr>
               <a:tr h="190500">
                 <a:tc>
@@ -5046,10 +5384,33 @@
                     <a:p>
                       <a:pPr algn="l" fontAlgn="b"/>
                       <a:r>
+                        <a:rPr lang="pt-BR" sz="1100" u="none" strike="noStrike" dirty="0">
+                          <a:effectLst/>
+                        </a:rPr>
+                        <a:t>Filial</a:t>
+                      </a:r>
+                      <a:endParaRPr lang="pt-BR" sz="1100" b="0" i="0" u="none" strike="noStrike" dirty="0">
+                        <a:solidFill>
+                          <a:srgbClr val="000000"/>
+                        </a:solidFill>
+                        <a:effectLst/>
+                        <a:latin typeface="Calibri" panose="020F0502020204030204" pitchFamily="34" charset="0"/>
+                      </a:endParaRPr>
+                    </a:p>
+                  </a:txBody>
+                  <a:tcPr marL="9525" marR="9525" marT="9525" marB="0" anchor="b"/>
+                </a:tc>
+                <a:tc>
+                  <a:txBody>
+                    <a:bodyPr/>
+                    <a:lstStyle/>
+                    <a:p>
+                      <a:pPr algn="l" fontAlgn="b"/>
+                      <a:r>
                         <a:rPr lang="pt-BR" sz="1100" u="none" strike="noStrike">
                           <a:effectLst/>
                         </a:rPr>
-                        <a:t>Filial</a:t>
+                        <a:t>int</a:t>
                       </a:r>
                       <a:endParaRPr lang="pt-BR" sz="1100" b="0" i="0" u="none" strike="noStrike">
                         <a:solidFill>
@@ -5062,29 +5423,11 @@
                   </a:txBody>
                   <a:tcPr marL="9525" marR="9525" marT="9525" marB="0" anchor="b"/>
                 </a:tc>
-                <a:tc>
-                  <a:txBody>
-                    <a:bodyPr/>
-                    <a:lstStyle/>
-                    <a:p>
-                      <a:pPr algn="l" fontAlgn="b"/>
-                      <a:r>
-                        <a:rPr lang="pt-BR" sz="1100" u="none" strike="noStrike">
-                          <a:effectLst/>
-                        </a:rPr>
-                        <a:t>int</a:t>
-                      </a:r>
-                      <a:endParaRPr lang="pt-BR" sz="1100" b="0" i="0" u="none" strike="noStrike">
-                        <a:solidFill>
-                          <a:srgbClr val="000000"/>
-                        </a:solidFill>
-                        <a:effectLst/>
-                        <a:latin typeface="Calibri" panose="020F0502020204030204" pitchFamily="34" charset="0"/>
-                      </a:endParaRPr>
-                    </a:p>
-                  </a:txBody>
-                  <a:tcPr marL="9525" marR="9525" marT="9525" marB="0" anchor="b"/>
-                </a:tc>
+                <a:extLst>
+                  <a:ext uri="{0D108BD9-81ED-4DB2-BD59-A6C34878D82A}">
+                    <a16:rowId xmlns:a16="http://schemas.microsoft.com/office/drawing/2014/main" val="10005"/>
+                  </a:ext>
+                </a:extLst>
               </a:tr>
               <a:tr h="190500">
                 <a:tc>
@@ -5133,6 +5476,11 @@
                   </a:txBody>
                   <a:tcPr marL="9525" marR="9525" marT="9525" marB="0" anchor="b"/>
                 </a:tc>
+                <a:extLst>
+                  <a:ext uri="{0D108BD9-81ED-4DB2-BD59-A6C34878D82A}">
+                    <a16:rowId xmlns:a16="http://schemas.microsoft.com/office/drawing/2014/main" val="10006"/>
+                  </a:ext>
+                </a:extLst>
               </a:tr>
             </a:tbl>
           </a:graphicData>
@@ -5157,8 +5505,20 @@
                 <a:tableStyleId>{21E4AEA4-8DFA-4A89-87EB-49C32662AFE0}</a:tableStyleId>
               </a:tblPr>
               <a:tblGrid>
-                <a:gridCol w="1202267"/>
-                <a:gridCol w="601133"/>
+                <a:gridCol w="1202267">
+                  <a:extLst>
+                    <a:ext uri="{9D8B030D-6E8A-4147-A177-3AD203B41FA5}">
+                      <a16:colId xmlns:a16="http://schemas.microsoft.com/office/drawing/2014/main" val="20000"/>
+                    </a:ext>
+                  </a:extLst>
+                </a:gridCol>
+                <a:gridCol w="601133">
+                  <a:extLst>
+                    <a:ext uri="{9D8B030D-6E8A-4147-A177-3AD203B41FA5}">
+                      <a16:colId xmlns:a16="http://schemas.microsoft.com/office/drawing/2014/main" val="20001"/>
+                    </a:ext>
+                  </a:extLst>
+                </a:gridCol>
               </a:tblGrid>
               <a:tr h="190500">
                 <a:tc gridSpan="2">
@@ -5185,8 +5545,20 @@
                   <a:tcPr marL="9525" marR="9525" marT="9525" marB="0" anchor="b"/>
                 </a:tc>
                 <a:tc hMerge="1">
+                  <a:txBody>
+                    <a:bodyPr/>
+                    <a:lstStyle/>
+                    <a:p>
+                      <a:endParaRPr lang="pt-BR"/>
+                    </a:p>
+                  </a:txBody>
                   <a:tcPr/>
                 </a:tc>
+                <a:extLst>
+                  <a:ext uri="{0D108BD9-81ED-4DB2-BD59-A6C34878D82A}">
+                    <a16:rowId xmlns:a16="http://schemas.microsoft.com/office/drawing/2014/main" val="10000"/>
+                  </a:ext>
+                </a:extLst>
               </a:tr>
               <a:tr h="190500">
                 <a:tc>
@@ -5235,6 +5607,11 @@
                   </a:txBody>
                   <a:tcPr marL="9525" marR="9525" marT="9525" marB="0" anchor="b"/>
                 </a:tc>
+                <a:extLst>
+                  <a:ext uri="{0D108BD9-81ED-4DB2-BD59-A6C34878D82A}">
+                    <a16:rowId xmlns:a16="http://schemas.microsoft.com/office/drawing/2014/main" val="10001"/>
+                  </a:ext>
+                </a:extLst>
               </a:tr>
               <a:tr h="190500">
                 <a:tc>
@@ -5283,6 +5660,11 @@
                   </a:txBody>
                   <a:tcPr marL="9525" marR="9525" marT="9525" marB="0" anchor="b"/>
                 </a:tc>
+                <a:extLst>
+                  <a:ext uri="{0D108BD9-81ED-4DB2-BD59-A6C34878D82A}">
+                    <a16:rowId xmlns:a16="http://schemas.microsoft.com/office/drawing/2014/main" val="10002"/>
+                  </a:ext>
+                </a:extLst>
               </a:tr>
               <a:tr h="190500">
                 <a:tc>
@@ -5331,6 +5713,11 @@
                   </a:txBody>
                   <a:tcPr marL="9525" marR="9525" marT="9525" marB="0" anchor="b"/>
                 </a:tc>
+                <a:extLst>
+                  <a:ext uri="{0D108BD9-81ED-4DB2-BD59-A6C34878D82A}">
+                    <a16:rowId xmlns:a16="http://schemas.microsoft.com/office/drawing/2014/main" val="10003"/>
+                  </a:ext>
+                </a:extLst>
               </a:tr>
               <a:tr h="190500">
                 <a:tc>
@@ -5379,6 +5766,11 @@
                   </a:txBody>
                   <a:tcPr marL="9525" marR="9525" marT="9525" marB="0" anchor="b"/>
                 </a:tc>
+                <a:extLst>
+                  <a:ext uri="{0D108BD9-81ED-4DB2-BD59-A6C34878D82A}">
+                    <a16:rowId xmlns:a16="http://schemas.microsoft.com/office/drawing/2014/main" val="10004"/>
+                  </a:ext>
+                </a:extLst>
               </a:tr>
               <a:tr h="190500">
                 <a:tc>
@@ -5427,6 +5819,11 @@
                   </a:txBody>
                   <a:tcPr marL="9525" marR="9525" marT="9525" marB="0" anchor="b"/>
                 </a:tc>
+                <a:extLst>
+                  <a:ext uri="{0D108BD9-81ED-4DB2-BD59-A6C34878D82A}">
+                    <a16:rowId xmlns:a16="http://schemas.microsoft.com/office/drawing/2014/main" val="10005"/>
+                  </a:ext>
+                </a:extLst>
               </a:tr>
               <a:tr h="190500">
                 <a:tc>
@@ -5475,6 +5872,11 @@
                   </a:txBody>
                   <a:tcPr marL="9525" marR="9525" marT="9525" marB="0" anchor="b"/>
                 </a:tc>
+                <a:extLst>
+                  <a:ext uri="{0D108BD9-81ED-4DB2-BD59-A6C34878D82A}">
+                    <a16:rowId xmlns:a16="http://schemas.microsoft.com/office/drawing/2014/main" val="10006"/>
+                  </a:ext>
+                </a:extLst>
               </a:tr>
             </a:tbl>
           </a:graphicData>
@@ -5499,8 +5901,20 @@
                 <a:tableStyleId>{5C22544A-7EE6-4342-B048-85BDC9FD1C3A}</a:tableStyleId>
               </a:tblPr>
               <a:tblGrid>
-                <a:gridCol w="914400"/>
-                <a:gridCol w="609600"/>
+                <a:gridCol w="914400">
+                  <a:extLst>
+                    <a:ext uri="{9D8B030D-6E8A-4147-A177-3AD203B41FA5}">
+                      <a16:colId xmlns:a16="http://schemas.microsoft.com/office/drawing/2014/main" val="20000"/>
+                    </a:ext>
+                  </a:extLst>
+                </a:gridCol>
+                <a:gridCol w="609600">
+                  <a:extLst>
+                    <a:ext uri="{9D8B030D-6E8A-4147-A177-3AD203B41FA5}">
+                      <a16:colId xmlns:a16="http://schemas.microsoft.com/office/drawing/2014/main" val="20001"/>
+                    </a:ext>
+                  </a:extLst>
+                </a:gridCol>
               </a:tblGrid>
               <a:tr h="190500">
                 <a:tc gridSpan="2">
@@ -5527,8 +5941,20 @@
                   <a:tcPr marL="9525" marR="9525" marT="9525" marB="0" anchor="b"/>
                 </a:tc>
                 <a:tc hMerge="1">
+                  <a:txBody>
+                    <a:bodyPr/>
+                    <a:lstStyle/>
+                    <a:p>
+                      <a:endParaRPr lang="pt-BR"/>
+                    </a:p>
+                  </a:txBody>
                   <a:tcPr/>
                 </a:tc>
+                <a:extLst>
+                  <a:ext uri="{0D108BD9-81ED-4DB2-BD59-A6C34878D82A}">
+                    <a16:rowId xmlns:a16="http://schemas.microsoft.com/office/drawing/2014/main" val="10000"/>
+                  </a:ext>
+                </a:extLst>
               </a:tr>
               <a:tr h="190500">
                 <a:tc>
@@ -5577,6 +6003,11 @@
                   </a:txBody>
                   <a:tcPr marL="9525" marR="9525" marT="9525" marB="0" anchor="b"/>
                 </a:tc>
+                <a:extLst>
+                  <a:ext uri="{0D108BD9-81ED-4DB2-BD59-A6C34878D82A}">
+                    <a16:rowId xmlns:a16="http://schemas.microsoft.com/office/drawing/2014/main" val="10001"/>
+                  </a:ext>
+                </a:extLst>
               </a:tr>
               <a:tr h="190500">
                 <a:tc>
@@ -5586,10 +6017,33 @@
                     <a:p>
                       <a:pPr algn="l" fontAlgn="b"/>
                       <a:r>
+                        <a:rPr lang="pt-BR" sz="1100" u="none" strike="noStrike" dirty="0">
+                          <a:effectLst/>
+                        </a:rPr>
+                        <a:t>Data</a:t>
+                      </a:r>
+                      <a:endParaRPr lang="pt-BR" sz="1100" b="0" i="0" u="none" strike="noStrike" dirty="0">
+                        <a:solidFill>
+                          <a:srgbClr val="000000"/>
+                        </a:solidFill>
+                        <a:effectLst/>
+                        <a:latin typeface="Calibri" panose="020F0502020204030204" pitchFamily="34" charset="0"/>
+                      </a:endParaRPr>
+                    </a:p>
+                  </a:txBody>
+                  <a:tcPr marL="9525" marR="9525" marT="9525" marB="0" anchor="b"/>
+                </a:tc>
+                <a:tc>
+                  <a:txBody>
+                    <a:bodyPr/>
+                    <a:lstStyle/>
+                    <a:p>
+                      <a:pPr algn="l" fontAlgn="b"/>
+                      <a:r>
                         <a:rPr lang="pt-BR" sz="1100" u="none" strike="noStrike">
                           <a:effectLst/>
                         </a:rPr>
-                        <a:t>Data</a:t>
+                        <a:t>datetime</a:t>
                       </a:r>
                       <a:endParaRPr lang="pt-BR" sz="1100" b="0" i="0" u="none" strike="noStrike">
                         <a:solidFill>
@@ -5602,29 +6056,11 @@
                   </a:txBody>
                   <a:tcPr marL="9525" marR="9525" marT="9525" marB="0" anchor="b"/>
                 </a:tc>
-                <a:tc>
-                  <a:txBody>
-                    <a:bodyPr/>
-                    <a:lstStyle/>
-                    <a:p>
-                      <a:pPr algn="l" fontAlgn="b"/>
-                      <a:r>
-                        <a:rPr lang="pt-BR" sz="1100" u="none" strike="noStrike">
-                          <a:effectLst/>
-                        </a:rPr>
-                        <a:t>datetime</a:t>
-                      </a:r>
-                      <a:endParaRPr lang="pt-BR" sz="1100" b="0" i="0" u="none" strike="noStrike">
-                        <a:solidFill>
-                          <a:srgbClr val="000000"/>
-                        </a:solidFill>
-                        <a:effectLst/>
-                        <a:latin typeface="Calibri" panose="020F0502020204030204" pitchFamily="34" charset="0"/>
-                      </a:endParaRPr>
-                    </a:p>
-                  </a:txBody>
-                  <a:tcPr marL="9525" marR="9525" marT="9525" marB="0" anchor="b"/>
-                </a:tc>
+                <a:extLst>
+                  <a:ext uri="{0D108BD9-81ED-4DB2-BD59-A6C34878D82A}">
+                    <a16:rowId xmlns:a16="http://schemas.microsoft.com/office/drawing/2014/main" val="10002"/>
+                  </a:ext>
+                </a:extLst>
               </a:tr>
               <a:tr h="190500">
                 <a:tc>
@@ -5673,6 +6109,11 @@
                   </a:txBody>
                   <a:tcPr marL="9525" marR="9525" marT="9525" marB="0" anchor="b"/>
                 </a:tc>
+                <a:extLst>
+                  <a:ext uri="{0D108BD9-81ED-4DB2-BD59-A6C34878D82A}">
+                    <a16:rowId xmlns:a16="http://schemas.microsoft.com/office/drawing/2014/main" val="10003"/>
+                  </a:ext>
+                </a:extLst>
               </a:tr>
               <a:tr h="190500">
                 <a:tc>
@@ -5682,10 +6123,33 @@
                     <a:p>
                       <a:pPr algn="l" fontAlgn="b"/>
                       <a:r>
+                        <a:rPr lang="pt-BR" sz="1100" u="none" strike="noStrike" dirty="0">
+                          <a:effectLst/>
+                        </a:rPr>
+                        <a:t>Valor inicial</a:t>
+                      </a:r>
+                      <a:endParaRPr lang="pt-BR" sz="1100" b="0" i="0" u="none" strike="noStrike" dirty="0">
+                        <a:solidFill>
+                          <a:srgbClr val="000000"/>
+                        </a:solidFill>
+                        <a:effectLst/>
+                        <a:latin typeface="Calibri" panose="020F0502020204030204" pitchFamily="34" charset="0"/>
+                      </a:endParaRPr>
+                    </a:p>
+                  </a:txBody>
+                  <a:tcPr marL="9525" marR="9525" marT="9525" marB="0" anchor="b"/>
+                </a:tc>
+                <a:tc>
+                  <a:txBody>
+                    <a:bodyPr/>
+                    <a:lstStyle/>
+                    <a:p>
+                      <a:pPr algn="l" fontAlgn="b"/>
+                      <a:r>
                         <a:rPr lang="pt-BR" sz="1100" u="none" strike="noStrike">
                           <a:effectLst/>
                         </a:rPr>
-                        <a:t>Valor inicial</a:t>
+                        <a:t>decimal</a:t>
                       </a:r>
                       <a:endParaRPr lang="pt-BR" sz="1100" b="0" i="0" u="none" strike="noStrike">
                         <a:solidFill>
@@ -5698,29 +6162,11 @@
                   </a:txBody>
                   <a:tcPr marL="9525" marR="9525" marT="9525" marB="0" anchor="b"/>
                 </a:tc>
-                <a:tc>
-                  <a:txBody>
-                    <a:bodyPr/>
-                    <a:lstStyle/>
-                    <a:p>
-                      <a:pPr algn="l" fontAlgn="b"/>
-                      <a:r>
-                        <a:rPr lang="pt-BR" sz="1100" u="none" strike="noStrike">
-                          <a:effectLst/>
-                        </a:rPr>
-                        <a:t>decimal</a:t>
-                      </a:r>
-                      <a:endParaRPr lang="pt-BR" sz="1100" b="0" i="0" u="none" strike="noStrike">
-                        <a:solidFill>
-                          <a:srgbClr val="000000"/>
-                        </a:solidFill>
-                        <a:effectLst/>
-                        <a:latin typeface="Calibri" panose="020F0502020204030204" pitchFamily="34" charset="0"/>
-                      </a:endParaRPr>
-                    </a:p>
-                  </a:txBody>
-                  <a:tcPr marL="9525" marR="9525" marT="9525" marB="0" anchor="b"/>
-                </a:tc>
+                <a:extLst>
+                  <a:ext uri="{0D108BD9-81ED-4DB2-BD59-A6C34878D82A}">
+                    <a16:rowId xmlns:a16="http://schemas.microsoft.com/office/drawing/2014/main" val="10004"/>
+                  </a:ext>
+                </a:extLst>
               </a:tr>
               <a:tr h="190500">
                 <a:tc>
@@ -5769,6 +6215,11 @@
                   </a:txBody>
                   <a:tcPr marL="9525" marR="9525" marT="9525" marB="0" anchor="b"/>
                 </a:tc>
+                <a:extLst>
+                  <a:ext uri="{0D108BD9-81ED-4DB2-BD59-A6C34878D82A}">
+                    <a16:rowId xmlns:a16="http://schemas.microsoft.com/office/drawing/2014/main" val="10005"/>
+                  </a:ext>
+                </a:extLst>
               </a:tr>
               <a:tr h="190500">
                 <a:tc>
@@ -5829,6 +6280,11 @@
                   </a:txBody>
                   <a:tcPr marL="9525" marR="9525" marT="9525" marB="0" anchor="b"/>
                 </a:tc>
+                <a:extLst>
+                  <a:ext uri="{0D108BD9-81ED-4DB2-BD59-A6C34878D82A}">
+                    <a16:rowId xmlns:a16="http://schemas.microsoft.com/office/drawing/2014/main" val="10006"/>
+                  </a:ext>
+                </a:extLst>
               </a:tr>
             </a:tbl>
           </a:graphicData>
@@ -5851,7 +6307,14 @@
         <p:cNvGrpSpPr/>
         <p:nvPr/>
       </p:nvGrpSpPr>
-      <p:grpSpPr/>
+      <p:grpSpPr>
+        <a:xfrm>
+          <a:off x="0" y="0"/>
+          <a:ext cx="0" cy="0"/>
+          <a:chOff x="0" y="0"/>
+          <a:chExt cx="0" cy="0"/>
+        </a:xfrm>
+      </p:grpSpPr>
       <p:sp>
         <p:nvSpPr>
           <p:cNvPr id="2" name="Título 1"/>
@@ -5865,31 +6328,12 @@
         <p:spPr/>
         <p:txBody>
           <a:bodyPr/>
+          <a:lstStyle/>
           <a:p>
             <a:r>
               <a:rPr lang="pt-BR" altLang="en-US"/>
               <a:t>Telas</a:t>
             </a:r>
-            <a:endParaRPr lang="pt-BR" altLang="en-US"/>
-          </a:p>
-        </p:txBody>
-      </p:sp>
-      <p:sp>
-        <p:nvSpPr>
-          <p:cNvPr id="3" name="Espaço Reservado para Conteúdo 2"/>
-          <p:cNvSpPr>
-            <a:spLocks noGrp="1"/>
-          </p:cNvSpPr>
-          <p:nvPr>
-            <p:ph idx="1"/>
-          </p:nvPr>
-        </p:nvSpPr>
-        <p:spPr/>
-        <p:txBody>
-          <a:bodyPr/>
-          <a:p>
-            <a:pPr lvl="0"/>
-            <a:endParaRPr lang="pt-BR" altLang="en-US"/>
           </a:p>
         </p:txBody>
       </p:sp>
@@ -5897,35 +6341,129 @@
         <p:nvGraphicFramePr>
           <p:cNvPr id="5" name="Tabela 4"/>
           <p:cNvGraphicFramePr/>
-          <p:nvPr/>
+          <p:nvPr>
+            <p:extLst>
+              <p:ext uri="{D42A27DB-BD31-4B8C-83A1-F6EECF244321}">
+                <p14:modId xmlns:p14="http://schemas.microsoft.com/office/powerpoint/2010/main" val="2591526142"/>
+              </p:ext>
+            </p:extLst>
+          </p:nvPr>
         </p:nvGraphicFramePr>
         <p:xfrm>
           <a:off x="608965" y="1600200"/>
-          <a:ext cx="10974070" cy="4144645"/>
+          <a:ext cx="10974070" cy="3749040"/>
         </p:xfrm>
         <a:graphic>
           <a:graphicData uri="http://schemas.openxmlformats.org/drawingml/2006/table">
             <a:tbl>
               <a:tblPr firstRow="1" bandRow="1">
-                <a:tableStyleId>{5C22544A-7EE6-4342-B048-85BDC9FD1C3A}</a:tableStyleId>
+                <a:tableStyleId>{5940675A-B579-460E-94D1-54222C63F5DA}</a:tableStyleId>
               </a:tblPr>
               <a:tblGrid>
-                <a:gridCol w="5487035"/>
-                <a:gridCol w="5487035"/>
+                <a:gridCol w="5487035">
+                  <a:extLst>
+                    <a:ext uri="{9D8B030D-6E8A-4147-A177-3AD203B41FA5}">
+                      <a16:colId xmlns:a16="http://schemas.microsoft.com/office/drawing/2014/main" val="20000"/>
+                    </a:ext>
+                  </a:extLst>
+                </a:gridCol>
+                <a:gridCol w="5487035">
+                  <a:extLst>
+                    <a:ext uri="{9D8B030D-6E8A-4147-A177-3AD203B41FA5}">
+                      <a16:colId xmlns:a16="http://schemas.microsoft.com/office/drawing/2014/main" val="20001"/>
+                    </a:ext>
+                  </a:extLst>
+                </a:gridCol>
               </a:tblGrid>
               <a:tr h="395605">
                 <a:tc>
                   <a:txBody>
                     <a:bodyPr/>
+                    <a:lstStyle/>
                     <a:p>
                       <a:pPr>
                         <a:buNone/>
                       </a:pPr>
                       <a:r>
+                        <a:rPr lang="pt-BR" altLang="en-US" sz="1800" dirty="0">
+                          <a:sym typeface="+mn-ea"/>
+                        </a:rPr>
+                        <a:t>Cadastro</a:t>
+                      </a:r>
+                      <a:endParaRPr lang="pt-BR" altLang="en-US" sz="1800" dirty="0"/>
+                    </a:p>
+                    <a:p>
+                      <a:pPr lvl="1"/>
+                      <a:r>
+                        <a:rPr lang="pt-BR" altLang="en-US" sz="1800" dirty="0">
+                          <a:sym typeface="+mn-ea"/>
+                        </a:rPr>
+                        <a:t>Clientes</a:t>
+                      </a:r>
+                      <a:endParaRPr lang="pt-BR" altLang="en-US" sz="1800" dirty="0"/>
+                    </a:p>
+                    <a:p>
+                      <a:pPr lvl="1"/>
+                      <a:r>
+                        <a:rPr lang="pt-BR" altLang="en-US" sz="1800" dirty="0" err="1">
+                          <a:sym typeface="+mn-ea"/>
+                        </a:rPr>
+                        <a:t>Usuarios</a:t>
+                      </a:r>
+                      <a:endParaRPr lang="pt-BR" altLang="en-US" sz="1800" dirty="0"/>
+                    </a:p>
+                    <a:p>
+                      <a:pPr lvl="1"/>
+                      <a:r>
+                        <a:rPr lang="pt-BR" altLang="en-US" sz="1800" dirty="0">
+                          <a:sym typeface="+mn-ea"/>
+                        </a:rPr>
+                        <a:t>Tipos de documento</a:t>
+                      </a:r>
+                      <a:endParaRPr lang="pt-BR" altLang="en-US" sz="1800" dirty="0"/>
+                    </a:p>
+                    <a:p>
+                      <a:pPr lvl="1"/>
+                      <a:r>
+                        <a:rPr lang="pt-BR" altLang="en-US" sz="1800" dirty="0">
+                          <a:sym typeface="+mn-ea"/>
+                        </a:rPr>
+                        <a:t>Tipos de descarga</a:t>
+                      </a:r>
+                      <a:endParaRPr lang="pt-BR" altLang="en-US" sz="1800" dirty="0"/>
+                    </a:p>
+                    <a:p>
+                      <a:pPr lvl="1"/>
+                      <a:r>
+                        <a:rPr lang="pt-BR" altLang="en-US" sz="1800" dirty="0">
+                          <a:sym typeface="+mn-ea"/>
+                        </a:rPr>
+                        <a:t>Filiais</a:t>
+                      </a:r>
+                      <a:endParaRPr lang="pt-BR" altLang="en-US" sz="1800" dirty="0"/>
+                    </a:p>
+                    <a:p>
+                      <a:pPr>
+                        <a:buNone/>
+                      </a:pPr>
+                      <a:endParaRPr lang="pt-BR" altLang="en-US" sz="1800" dirty="0"/>
+                    </a:p>
+                  </a:txBody>
+                  <a:tcPr/>
+                </a:tc>
+                <a:tc>
+                  <a:txBody>
+                    <a:bodyPr/>
+                    <a:lstStyle/>
+                    <a:p>
+                      <a:pPr>
+                        <a:buNone/>
+                      </a:pPr>
+                      <a:r>
                         <a:rPr lang="pt-BR" altLang="en-US" sz="1800">
                           <a:sym typeface="+mn-ea"/>
                         </a:rPr>
-                        <a:t>Cadastro</a:t>
+                        <a:t>Lançamentos</a:t>
                       </a:r>
                       <a:endParaRPr lang="pt-BR" altLang="en-US" sz="1800"/>
                     </a:p>
@@ -5935,17 +6473,17 @@
                         <a:rPr lang="pt-BR" altLang="en-US" sz="1800">
                           <a:sym typeface="+mn-ea"/>
                         </a:rPr>
-                        <a:t>Clientes</a:t>
+                        <a:t>Suprimento</a:t>
                       </a:r>
                       <a:endParaRPr lang="pt-BR" altLang="en-US" sz="1800"/>
                     </a:p>
                     <a:p>
-                      <a:pPr lvl="1"/>
+                      <a:pPr lvl="1" algn="just"/>
                       <a:r>
                         <a:rPr lang="pt-BR" altLang="en-US" sz="1800">
                           <a:sym typeface="+mn-ea"/>
                         </a:rPr>
-                        <a:t>Usuarios</a:t>
+                        <a:t>Débito</a:t>
                       </a:r>
                       <a:endParaRPr lang="pt-BR" altLang="en-US" sz="1800"/>
                     </a:p>
@@ -5955,17 +6493,37 @@
                         <a:rPr lang="pt-BR" altLang="en-US" sz="1800">
                           <a:sym typeface="+mn-ea"/>
                         </a:rPr>
-                        <a:t>Tipos de documento</a:t>
-                      </a:r>
-                      <a:endParaRPr lang="pt-BR" altLang="en-US" sz="1800"/>
+                        <a:t>Adiantamento</a:t>
+                      </a:r>
                     </a:p>
                     <a:p>
                       <a:pPr lvl="1"/>
+                      <a:r>
+                        <a:rPr lang="pt-BR" altLang="en-US"/>
+                        <a:t>Scan Fechamento</a:t>
+                      </a:r>
+                    </a:p>
+                  </a:txBody>
+                  <a:tcPr/>
+                </a:tc>
+                <a:extLst>
+                  <a:ext uri="{0D108BD9-81ED-4DB2-BD59-A6C34878D82A}">
+                    <a16:rowId xmlns:a16="http://schemas.microsoft.com/office/drawing/2014/main" val="10000"/>
+                  </a:ext>
+                </a:extLst>
+              </a:tr>
+              <a:tr h="395605">
+                <a:tc>
+                  <a:txBody>
+                    <a:bodyPr/>
+                    <a:lstStyle/>
+                    <a:p>
+                      <a:pPr lvl="0"/>
                       <a:r>
                         <a:rPr lang="pt-BR" altLang="en-US" sz="1800">
                           <a:sym typeface="+mn-ea"/>
                         </a:rPr>
-                        <a:t>Tipos de descarga</a:t>
+                        <a:t>Listagens</a:t>
                       </a:r>
                       <a:endParaRPr lang="pt-BR" altLang="en-US" sz="1800"/>
                     </a:p>
@@ -5975,7 +6533,37 @@
                         <a:rPr lang="pt-BR" altLang="en-US" sz="1800">
                           <a:sym typeface="+mn-ea"/>
                         </a:rPr>
-                        <a:t>Filiais</a:t>
+                        <a:t>Caixa</a:t>
+                      </a:r>
+                      <a:endParaRPr lang="pt-BR" altLang="en-US" sz="1800"/>
+                    </a:p>
+                    <a:p>
+                      <a:pPr lvl="1"/>
+                      <a:r>
+                        <a:rPr lang="pt-BR" altLang="en-US" sz="1800">
+                          <a:sym typeface="+mn-ea"/>
+                        </a:rPr>
+                        <a:t>Adiantamentos </a:t>
+                      </a:r>
+                      <a:endParaRPr lang="pt-BR" altLang="en-US" sz="1800"/>
+                    </a:p>
+                    <a:p>
+                      <a:pPr lvl="1"/>
+                      <a:r>
+                        <a:rPr lang="pt-BR" altLang="en-US" sz="1800">
+                          <a:sym typeface="+mn-ea"/>
+                        </a:rPr>
+                        <a:t>Fechamentos</a:t>
+                      </a:r>
+                      <a:endParaRPr lang="pt-BR" altLang="en-US" sz="1800"/>
+                    </a:p>
+                    <a:p>
+                      <a:pPr lvl="1"/>
+                      <a:r>
+                        <a:rPr lang="pt-BR" altLang="en-US" sz="1800">
+                          <a:sym typeface="+mn-ea"/>
+                        </a:rPr>
+                        <a:t>Dados Fechamento</a:t>
                       </a:r>
                       <a:endParaRPr lang="pt-BR" altLang="en-US" sz="1800"/>
                     </a:p>
@@ -5991,197 +6579,55 @@
                 <a:tc>
                   <a:txBody>
                     <a:bodyPr/>
-                    <a:p>
-                      <a:pPr>
-                        <a:buNone/>
-                      </a:pPr>
-                      <a:r>
-                        <a:rPr lang="pt-BR" altLang="en-US" sz="1800">
+                    <a:lstStyle/>
+                    <a:p>
+                      <a:pPr lvl="0"/>
+                      <a:r>
+                        <a:rPr lang="pt-BR" altLang="en-US" dirty="0">
                           <a:sym typeface="+mn-ea"/>
                         </a:rPr>
-                        <a:t>Lançamentos</a:t>
-                      </a:r>
-                      <a:endParaRPr lang="pt-BR" altLang="en-US" sz="1800"/>
+                        <a:t>Outras</a:t>
+                      </a:r>
+                      <a:endParaRPr lang="pt-BR" altLang="en-US" dirty="0"/>
                     </a:p>
                     <a:p>
                       <a:pPr lvl="1"/>
                       <a:r>
-                        <a:rPr lang="pt-BR" altLang="en-US" sz="1800">
+                        <a:rPr lang="pt-BR" altLang="en-US" dirty="0">
                           <a:sym typeface="+mn-ea"/>
                         </a:rPr>
-                        <a:t>Suprimento</a:t>
-                      </a:r>
-                      <a:endParaRPr lang="pt-BR" altLang="en-US" sz="1800"/>
-                    </a:p>
-                    <a:p>
-                      <a:pPr lvl="1" algn="just"/>
-                      <a:r>
-                        <a:rPr lang="pt-BR" altLang="en-US" sz="1800">
+                        <a:t>Login</a:t>
+                      </a:r>
+                      <a:endParaRPr lang="pt-BR" altLang="en-US" dirty="0"/>
+                    </a:p>
+                    <a:p>
+                      <a:pPr lvl="1"/>
+                      <a:r>
+                        <a:rPr lang="pt-BR" altLang="en-US" dirty="0">
                           <a:sym typeface="+mn-ea"/>
                         </a:rPr>
-                        <a:t>Débito</a:t>
-                      </a:r>
-                      <a:endParaRPr lang="pt-BR" altLang="en-US" sz="1800"/>
+                        <a:t>Menu</a:t>
+                      </a:r>
+                      <a:endParaRPr lang="pt-BR" altLang="en-US" dirty="0"/>
                     </a:p>
                     <a:p>
                       <a:pPr lvl="1"/>
                       <a:r>
-                        <a:rPr lang="pt-BR" altLang="en-US" sz="1800">
+                        <a:rPr lang="pt-BR" altLang="en-US" dirty="0">
                           <a:sym typeface="+mn-ea"/>
                         </a:rPr>
-                        <a:t>Adiantamento</a:t>
-                      </a:r>
-                      <a:endParaRPr lang="pt-BR" altLang="en-US" sz="1800">
-                        <a:sym typeface="+mn-ea"/>
-                      </a:endParaRPr>
-                    </a:p>
-                    <a:p>
-                      <a:pPr lvl="1"/>
-                      <a:r>
-                        <a:rPr lang="pt-BR" altLang="en-US"/>
-                        <a:t>Scan Fechamento</a:t>
-                      </a:r>
-                      <a:endParaRPr lang="pt-BR" altLang="en-US"/>
+                        <a:t> </a:t>
+                      </a:r>
+                      <a:endParaRPr lang="pt-BR" altLang="en-US" dirty="0"/>
                     </a:p>
                   </a:txBody>
                   <a:tcPr/>
                 </a:tc>
-              </a:tr>
-              <a:tr h="395605">
-                <a:tc>
-                  <a:txBody>
-                    <a:bodyPr/>
-                    <a:p>
-                      <a:pPr lvl="0"/>
-                      <a:r>
-                        <a:rPr lang="pt-BR" altLang="en-US" sz="1800">
-                          <a:sym typeface="+mn-ea"/>
-                        </a:rPr>
-                        <a:t>Listagens</a:t>
-                      </a:r>
-                      <a:endParaRPr lang="pt-BR" altLang="en-US" sz="1800"/>
-                    </a:p>
-                    <a:p>
-                      <a:pPr lvl="1"/>
-                      <a:r>
-                        <a:rPr lang="pt-BR" altLang="en-US" sz="1800">
-                          <a:sym typeface="+mn-ea"/>
-                        </a:rPr>
-                        <a:t>Caixa</a:t>
-                      </a:r>
-                      <a:endParaRPr lang="pt-BR" altLang="en-US" sz="1800"/>
-                    </a:p>
-                    <a:p>
-                      <a:pPr lvl="1"/>
-                      <a:r>
-                        <a:rPr lang="pt-BR" altLang="en-US" sz="1800">
-                          <a:sym typeface="+mn-ea"/>
-                        </a:rPr>
-                        <a:t>Adiantamentos </a:t>
-                      </a:r>
-                      <a:endParaRPr lang="pt-BR" altLang="en-US" sz="1800"/>
-                    </a:p>
-                    <a:p>
-                      <a:pPr lvl="1"/>
-                      <a:r>
-                        <a:rPr lang="pt-BR" altLang="en-US" sz="1800">
-                          <a:sym typeface="+mn-ea"/>
-                        </a:rPr>
-                        <a:t>Fechamentos</a:t>
-                      </a:r>
-                      <a:endParaRPr lang="pt-BR" altLang="en-US" sz="1800"/>
-                    </a:p>
-                    <a:p>
-                      <a:pPr lvl="1"/>
-                      <a:r>
-                        <a:rPr lang="pt-BR" altLang="en-US" sz="1800">
-                          <a:sym typeface="+mn-ea"/>
-                        </a:rPr>
-                        <a:t>Dados Fechamento</a:t>
-                      </a:r>
-                      <a:endParaRPr lang="pt-BR" altLang="en-US" sz="1800"/>
-                    </a:p>
-                    <a:p>
-                      <a:pPr>
-                        <a:buNone/>
-                      </a:pPr>
-                      <a:endParaRPr lang="pt-BR" altLang="en-US" sz="1800"/>
-                    </a:p>
-                  </a:txBody>
-                  <a:tcPr/>
-                </a:tc>
-                <a:tc>
-                  <a:txBody>
-                    <a:bodyPr/>
-                    <a:p>
-                      <a:pPr lvl="0"/>
-                      <a:r>
-                        <a:rPr lang="pt-BR" altLang="en-US">
-                          <a:sym typeface="+mn-ea"/>
-                        </a:rPr>
-                        <a:t>Outras</a:t>
-                      </a:r>
-                      <a:endParaRPr lang="pt-BR" altLang="en-US"/>
-                    </a:p>
-                    <a:p>
-                      <a:pPr lvl="1"/>
-                      <a:r>
-                        <a:rPr lang="pt-BR" altLang="en-US">
-                          <a:sym typeface="+mn-ea"/>
-                        </a:rPr>
-                        <a:t>Login</a:t>
-                      </a:r>
-                      <a:endParaRPr lang="pt-BR" altLang="en-US"/>
-                    </a:p>
-                    <a:p>
-                      <a:pPr lvl="1"/>
-                      <a:r>
-                        <a:rPr lang="pt-BR" altLang="en-US">
-                          <a:sym typeface="+mn-ea"/>
-                        </a:rPr>
-                        <a:t>Menu</a:t>
-                      </a:r>
-                      <a:endParaRPr lang="pt-BR" altLang="en-US"/>
-                    </a:p>
-                    <a:p>
-                      <a:pPr lvl="1"/>
-                      <a:r>
-                        <a:rPr lang="pt-BR" altLang="en-US">
-                          <a:sym typeface="+mn-ea"/>
-                        </a:rPr>
-                        <a:t> </a:t>
-                      </a:r>
-                      <a:endParaRPr lang="pt-BR" altLang="en-US"/>
-                    </a:p>
-                  </a:txBody>
-                  <a:tcPr/>
-                </a:tc>
-              </a:tr>
-              <a:tr h="395605">
-                <a:tc>
-                  <a:txBody>
-                    <a:bodyPr/>
-                    <a:p>
-                      <a:pPr>
-                        <a:buNone/>
-                      </a:pPr>
-                      <a:endParaRPr lang="pt-BR" altLang="en-US" sz="1800"/>
-                    </a:p>
-                  </a:txBody>
-                  <a:tcPr/>
-                </a:tc>
-                <a:tc>
-                  <a:txBody>
-                    <a:bodyPr/>
-                    <a:p>
-                      <a:pPr lvl="1">
-                        <a:buNone/>
-                      </a:pPr>
-                      <a:endParaRPr lang="pt-BR" altLang="en-US"/>
-                    </a:p>
-                  </a:txBody>
-                  <a:tcPr/>
-                </a:tc>
+                <a:extLst>
+                  <a:ext uri="{0D108BD9-81ED-4DB2-BD59-A6C34878D82A}">
+                    <a16:rowId xmlns:a16="http://schemas.microsoft.com/office/drawing/2014/main" val="10001"/>
+                  </a:ext>
+                </a:extLst>
               </a:tr>
             </a:tbl>
           </a:graphicData>
@@ -6221,7 +6667,7 @@
           <p:nvPr/>
         </p:nvPicPr>
         <p:blipFill>
-          <a:blip r:embed="rId1"/>
+          <a:blip r:embed="rId2"/>
           <a:stretch>
             <a:fillRect/>
           </a:stretch>
@@ -6255,7 +6701,7 @@
           <p:nvPr/>
         </p:nvPicPr>
         <p:blipFill rotWithShape="1">
-          <a:blip r:embed="rId2"/>
+          <a:blip r:embed="rId3"/>
           <a:srcRect b="11611"/>
           <a:stretch>
             <a:fillRect/>
@@ -6290,7 +6736,7 @@
           <p:nvPr/>
         </p:nvPicPr>
         <p:blipFill rotWithShape="1">
-          <a:blip r:embed="rId3"/>
+          <a:blip r:embed="rId4"/>
           <a:srcRect b="21092"/>
           <a:stretch>
             <a:fillRect/>
@@ -6325,7 +6771,7 @@
           <p:nvPr/>
         </p:nvPicPr>
         <p:blipFill rotWithShape="1">
-          <a:blip r:embed="rId4"/>
+          <a:blip r:embed="rId5"/>
           <a:srcRect l="2140" b="15478"/>
           <a:stretch>
             <a:fillRect/>
@@ -6385,7 +6831,7 @@
           <p:nvPr/>
         </p:nvPicPr>
         <p:blipFill>
-          <a:blip r:embed="rId1"/>
+          <a:blip r:embed="rId2"/>
           <a:stretch>
             <a:fillRect/>
           </a:stretch>
@@ -6419,7 +6865,7 @@
           <p:nvPr/>
         </p:nvPicPr>
         <p:blipFill>
-          <a:blip r:embed="rId2"/>
+          <a:blip r:embed="rId3"/>
           <a:stretch>
             <a:fillRect/>
           </a:stretch>
@@ -6478,7 +6924,7 @@
           <p:nvPr/>
         </p:nvPicPr>
         <p:blipFill rotWithShape="1">
-          <a:blip r:embed="rId1"/>
+          <a:blip r:embed="rId2"/>
           <a:srcRect l="1926" t="7445" r="2074" b="43234"/>
           <a:stretch>
             <a:fillRect/>
@@ -6513,7 +6959,7 @@
           <p:nvPr/>
         </p:nvPicPr>
         <p:blipFill rotWithShape="1">
-          <a:blip r:embed="rId2"/>
+          <a:blip r:embed="rId3"/>
           <a:srcRect l="2000" t="7397" r="2000" b="5221"/>
           <a:stretch>
             <a:fillRect/>
@@ -6573,7 +7019,7 @@
           <p:nvPr/>
         </p:nvPicPr>
         <p:blipFill rotWithShape="1">
-          <a:blip r:embed="rId1"/>
+          <a:blip r:embed="rId2"/>
           <a:srcRect l="1396" t="8697" r="1768" b="4870"/>
           <a:stretch>
             <a:fillRect/>
@@ -6633,7 +7079,7 @@
           <p:nvPr/>
         </p:nvPicPr>
         <p:blipFill>
-          <a:blip r:embed="rId1"/>
+          <a:blip r:embed="rId2"/>
           <a:srcRect l="1658" t="7570" r="1483" b="3393"/>
           <a:stretch>
             <a:fillRect/>
@@ -6648,15 +7094,13 @@
             <a:avLst/>
           </a:prstGeom>
           <a:ln>
-            <a:solidFill>
-              <a:schemeClr val="accent1"/>
-            </a:solidFill>
+            <a:noFill/>
           </a:ln>
           <a:effectLst>
-            <a:outerShdw blurRad="63500" sx="102000" sy="102000" algn="ctr" rotWithShape="0">
-              <a:prstClr val="black">
-                <a:alpha val="40000"/>
-              </a:prstClr>
+            <a:outerShdw blurRad="190500" algn="tl" rotWithShape="0">
+              <a:srgbClr val="000000">
+                <a:alpha val="70000"/>
+              </a:srgbClr>
             </a:outerShdw>
           </a:effectLst>
         </p:spPr>
@@ -6678,7 +7122,14 @@
         <p:cNvGrpSpPr/>
         <p:nvPr/>
       </p:nvGrpSpPr>
-      <p:grpSpPr/>
+      <p:grpSpPr>
+        <a:xfrm>
+          <a:off x="0" y="0"/>
+          <a:ext cx="0" cy="0"/>
+          <a:chOff x="0" y="0"/>
+          <a:chExt cx="0" cy="0"/>
+        </a:xfrm>
+      </p:grpSpPr>
       <p:pic>
         <p:nvPicPr>
           <p:cNvPr id="3" name="Imagem 2"/>
@@ -6688,7 +7139,7 @@
           <p:nvPr/>
         </p:nvPicPr>
         <p:blipFill>
-          <a:blip r:embed="rId1"/>
+          <a:blip r:embed="rId2"/>
           <a:srcRect l="2225" t="7772" r="2225" b="3575"/>
           <a:stretch>
             <a:fillRect/>
@@ -6702,11 +7153,14 @@
           <a:prstGeom prst="rect">
             <a:avLst/>
           </a:prstGeom>
+          <a:ln>
+            <a:noFill/>
+          </a:ln>
           <a:effectLst>
-            <a:outerShdw blurRad="63500" sx="102000" sy="102000" algn="ctr" rotWithShape="0">
-              <a:prstClr val="black">
-                <a:alpha val="40000"/>
-              </a:prstClr>
+            <a:outerShdw blurRad="190500" algn="tl" rotWithShape="0">
+              <a:srgbClr val="000000">
+                <a:alpha val="70000"/>
+              </a:srgbClr>
             </a:outerShdw>
           </a:effectLst>
         </p:spPr>
@@ -6910,6 +7364,7 @@
       </a:bgFillStyleLst>
     </a:fmtScheme>
   </a:themeElements>
+  <a:objectDefaults/>
   <a:extraClrSchemeLst>
     <a:extraClrScheme>
       <a:clrScheme name="">
